--- a/SearchAlgorithms/Labyrinth.pptx
+++ b/SearchAlgorithms/Labyrinth.pptx
@@ -6,6 +6,7 @@
   </p:sldMasterIdLst>
   <p:sldIdLst>
     <p:sldId id="256" r:id="rId2"/>
+    <p:sldId id="257" r:id="rId3"/>
   </p:sldIdLst>
   <p:sldSz cx="12192000" cy="6858000"/>
   <p:notesSz cx="6858000" cy="9144000"/>
@@ -129,7 +130,7 @@
           <p:cNvPr id="2" name="Titel 1">
             <a:extLst>
               <a:ext uri="{FF2B5EF4-FFF2-40B4-BE49-F238E27FC236}">
-                <a16:creationId xmlns:a16="http://schemas.microsoft.com/office/drawing/2014/main" id="{6C86ED9E-923A-C916-DDCD-57298931899E}"/>
+                <a16:creationId xmlns:a16="http://schemas.microsoft.com/office/drawing/2014/main" xmlns="" id="{6C86ED9E-923A-C916-DDCD-57298931899E}"/>
               </a:ext>
             </a:extLst>
           </p:cNvPr>
@@ -166,7 +167,7 @@
           <p:cNvPr id="3" name="Untertitel 2">
             <a:extLst>
               <a:ext uri="{FF2B5EF4-FFF2-40B4-BE49-F238E27FC236}">
-                <a16:creationId xmlns:a16="http://schemas.microsoft.com/office/drawing/2014/main" id="{501E2461-B6BC-A33B-4498-6BC028105430}"/>
+                <a16:creationId xmlns:a16="http://schemas.microsoft.com/office/drawing/2014/main" xmlns="" id="{501E2461-B6BC-A33B-4498-6BC028105430}"/>
               </a:ext>
             </a:extLst>
           </p:cNvPr>
@@ -236,7 +237,7 @@
           <p:cNvPr id="4" name="Datumsplatzhalter 3">
             <a:extLst>
               <a:ext uri="{FF2B5EF4-FFF2-40B4-BE49-F238E27FC236}">
-                <a16:creationId xmlns:a16="http://schemas.microsoft.com/office/drawing/2014/main" id="{14C0637F-5B3E-E6C8-E62C-F04216AC777C}"/>
+                <a16:creationId xmlns:a16="http://schemas.microsoft.com/office/drawing/2014/main" xmlns="" id="{14C0637F-5B3E-E6C8-E62C-F04216AC777C}"/>
               </a:ext>
             </a:extLst>
           </p:cNvPr>
@@ -254,6 +255,7 @@
           <a:p>
             <a:fld id="{EBAF77AC-7A72-45F9-A87A-C50BB5F30872}" type="datetimeFigureOut">
               <a:rPr lang="de-DE" smtClean="0"/>
+              <a:pPr/>
               <a:t>04.08.2023</a:t>
             </a:fld>
             <a:endParaRPr lang="de-DE"/>
@@ -265,7 +267,7 @@
           <p:cNvPr id="5" name="Fußzeilenplatzhalter 4">
             <a:extLst>
               <a:ext uri="{FF2B5EF4-FFF2-40B4-BE49-F238E27FC236}">
-                <a16:creationId xmlns:a16="http://schemas.microsoft.com/office/drawing/2014/main" id="{79E349E8-B526-D007-48A2-84337FC5DBB3}"/>
+                <a16:creationId xmlns:a16="http://schemas.microsoft.com/office/drawing/2014/main" xmlns="" id="{79E349E8-B526-D007-48A2-84337FC5DBB3}"/>
               </a:ext>
             </a:extLst>
           </p:cNvPr>
@@ -290,7 +292,7 @@
           <p:cNvPr id="6" name="Foliennummernplatzhalter 5">
             <a:extLst>
               <a:ext uri="{FF2B5EF4-FFF2-40B4-BE49-F238E27FC236}">
-                <a16:creationId xmlns:a16="http://schemas.microsoft.com/office/drawing/2014/main" id="{0129CF8F-F53D-9247-D65F-7702336361C2}"/>
+                <a16:creationId xmlns:a16="http://schemas.microsoft.com/office/drawing/2014/main" xmlns="" id="{0129CF8F-F53D-9247-D65F-7702336361C2}"/>
               </a:ext>
             </a:extLst>
           </p:cNvPr>
@@ -308,6 +310,7 @@
           <a:p>
             <a:fld id="{02E2EA80-7C9B-41E7-9BF5-38D2E4D7AF2E}" type="slidenum">
               <a:rPr lang="de-DE" smtClean="0"/>
+              <a:pPr/>
               <a:t>‹Nr.›</a:t>
             </a:fld>
             <a:endParaRPr lang="de-DE"/>
@@ -317,7 +320,7 @@
     </p:spTree>
     <p:extLst>
       <p:ext uri="{BB962C8B-B14F-4D97-AF65-F5344CB8AC3E}">
-        <p14:creationId xmlns:p14="http://schemas.microsoft.com/office/powerpoint/2010/main" val="3985377584"/>
+        <p14:creationId xmlns:p14="http://schemas.microsoft.com/office/powerpoint/2010/main" xmlns="" val="3985377584"/>
       </p:ext>
     </p:extLst>
   </p:cSld>
@@ -349,7 +352,7 @@
           <p:cNvPr id="2" name="Titel 1">
             <a:extLst>
               <a:ext uri="{FF2B5EF4-FFF2-40B4-BE49-F238E27FC236}">
-                <a16:creationId xmlns:a16="http://schemas.microsoft.com/office/drawing/2014/main" id="{9CF90661-BFAA-99BB-E785-213A46149A12}"/>
+                <a16:creationId xmlns:a16="http://schemas.microsoft.com/office/drawing/2014/main" xmlns="" id="{9CF90661-BFAA-99BB-E785-213A46149A12}"/>
               </a:ext>
             </a:extLst>
           </p:cNvPr>
@@ -377,7 +380,7 @@
           <p:cNvPr id="3" name="Vertikaler Textplatzhalter 2">
             <a:extLst>
               <a:ext uri="{FF2B5EF4-FFF2-40B4-BE49-F238E27FC236}">
-                <a16:creationId xmlns:a16="http://schemas.microsoft.com/office/drawing/2014/main" id="{F51DC82F-769D-E248-9D35-C8FFBFAE169C}"/>
+                <a16:creationId xmlns:a16="http://schemas.microsoft.com/office/drawing/2014/main" xmlns="" id="{F51DC82F-769D-E248-9D35-C8FFBFAE169C}"/>
               </a:ext>
             </a:extLst>
           </p:cNvPr>
@@ -434,7 +437,7 @@
           <p:cNvPr id="4" name="Datumsplatzhalter 3">
             <a:extLst>
               <a:ext uri="{FF2B5EF4-FFF2-40B4-BE49-F238E27FC236}">
-                <a16:creationId xmlns:a16="http://schemas.microsoft.com/office/drawing/2014/main" id="{0FF086AB-2608-19A7-5A4E-1F01F734B754}"/>
+                <a16:creationId xmlns:a16="http://schemas.microsoft.com/office/drawing/2014/main" xmlns="" id="{0FF086AB-2608-19A7-5A4E-1F01F734B754}"/>
               </a:ext>
             </a:extLst>
           </p:cNvPr>
@@ -452,6 +455,7 @@
           <a:p>
             <a:fld id="{EBAF77AC-7A72-45F9-A87A-C50BB5F30872}" type="datetimeFigureOut">
               <a:rPr lang="de-DE" smtClean="0"/>
+              <a:pPr/>
               <a:t>04.08.2023</a:t>
             </a:fld>
             <a:endParaRPr lang="de-DE"/>
@@ -463,7 +467,7 @@
           <p:cNvPr id="5" name="Fußzeilenplatzhalter 4">
             <a:extLst>
               <a:ext uri="{FF2B5EF4-FFF2-40B4-BE49-F238E27FC236}">
-                <a16:creationId xmlns:a16="http://schemas.microsoft.com/office/drawing/2014/main" id="{B9BC344A-3C8D-A9DD-91D6-3229A36E1CD6}"/>
+                <a16:creationId xmlns:a16="http://schemas.microsoft.com/office/drawing/2014/main" xmlns="" id="{B9BC344A-3C8D-A9DD-91D6-3229A36E1CD6}"/>
               </a:ext>
             </a:extLst>
           </p:cNvPr>
@@ -488,7 +492,7 @@
           <p:cNvPr id="6" name="Foliennummernplatzhalter 5">
             <a:extLst>
               <a:ext uri="{FF2B5EF4-FFF2-40B4-BE49-F238E27FC236}">
-                <a16:creationId xmlns:a16="http://schemas.microsoft.com/office/drawing/2014/main" id="{CBABF1B8-4ACD-6D13-43AD-CFCBFF1E53B1}"/>
+                <a16:creationId xmlns:a16="http://schemas.microsoft.com/office/drawing/2014/main" xmlns="" id="{CBABF1B8-4ACD-6D13-43AD-CFCBFF1E53B1}"/>
               </a:ext>
             </a:extLst>
           </p:cNvPr>
@@ -506,6 +510,7 @@
           <a:p>
             <a:fld id="{02E2EA80-7C9B-41E7-9BF5-38D2E4D7AF2E}" type="slidenum">
               <a:rPr lang="de-DE" smtClean="0"/>
+              <a:pPr/>
               <a:t>‹Nr.›</a:t>
             </a:fld>
             <a:endParaRPr lang="de-DE"/>
@@ -515,7 +520,7 @@
     </p:spTree>
     <p:extLst>
       <p:ext uri="{BB962C8B-B14F-4D97-AF65-F5344CB8AC3E}">
-        <p14:creationId xmlns:p14="http://schemas.microsoft.com/office/powerpoint/2010/main" val="1806240560"/>
+        <p14:creationId xmlns:p14="http://schemas.microsoft.com/office/powerpoint/2010/main" xmlns="" val="1806240560"/>
       </p:ext>
     </p:extLst>
   </p:cSld>
@@ -547,7 +552,7 @@
           <p:cNvPr id="2" name="Vertikaler Titel 1">
             <a:extLst>
               <a:ext uri="{FF2B5EF4-FFF2-40B4-BE49-F238E27FC236}">
-                <a16:creationId xmlns:a16="http://schemas.microsoft.com/office/drawing/2014/main" id="{F741E7F9-CEA1-4E17-A2BB-3F9AFF548D9B}"/>
+                <a16:creationId xmlns:a16="http://schemas.microsoft.com/office/drawing/2014/main" xmlns="" id="{F741E7F9-CEA1-4E17-A2BB-3F9AFF548D9B}"/>
               </a:ext>
             </a:extLst>
           </p:cNvPr>
@@ -580,7 +585,7 @@
           <p:cNvPr id="3" name="Vertikaler Textplatzhalter 2">
             <a:extLst>
               <a:ext uri="{FF2B5EF4-FFF2-40B4-BE49-F238E27FC236}">
-                <a16:creationId xmlns:a16="http://schemas.microsoft.com/office/drawing/2014/main" id="{623F910F-6521-5CD4-430C-2620B825C3DC}"/>
+                <a16:creationId xmlns:a16="http://schemas.microsoft.com/office/drawing/2014/main" xmlns="" id="{623F910F-6521-5CD4-430C-2620B825C3DC}"/>
               </a:ext>
             </a:extLst>
           </p:cNvPr>
@@ -642,7 +647,7 @@
           <p:cNvPr id="4" name="Datumsplatzhalter 3">
             <a:extLst>
               <a:ext uri="{FF2B5EF4-FFF2-40B4-BE49-F238E27FC236}">
-                <a16:creationId xmlns:a16="http://schemas.microsoft.com/office/drawing/2014/main" id="{2CF4776E-33F4-B047-9A23-759278806459}"/>
+                <a16:creationId xmlns:a16="http://schemas.microsoft.com/office/drawing/2014/main" xmlns="" id="{2CF4776E-33F4-B047-9A23-759278806459}"/>
               </a:ext>
             </a:extLst>
           </p:cNvPr>
@@ -660,6 +665,7 @@
           <a:p>
             <a:fld id="{EBAF77AC-7A72-45F9-A87A-C50BB5F30872}" type="datetimeFigureOut">
               <a:rPr lang="de-DE" smtClean="0"/>
+              <a:pPr/>
               <a:t>04.08.2023</a:t>
             </a:fld>
             <a:endParaRPr lang="de-DE"/>
@@ -671,7 +677,7 @@
           <p:cNvPr id="5" name="Fußzeilenplatzhalter 4">
             <a:extLst>
               <a:ext uri="{FF2B5EF4-FFF2-40B4-BE49-F238E27FC236}">
-                <a16:creationId xmlns:a16="http://schemas.microsoft.com/office/drawing/2014/main" id="{A2596DCE-426E-B48A-2636-9D5416EF7D03}"/>
+                <a16:creationId xmlns:a16="http://schemas.microsoft.com/office/drawing/2014/main" xmlns="" id="{A2596DCE-426E-B48A-2636-9D5416EF7D03}"/>
               </a:ext>
             </a:extLst>
           </p:cNvPr>
@@ -696,7 +702,7 @@
           <p:cNvPr id="6" name="Foliennummernplatzhalter 5">
             <a:extLst>
               <a:ext uri="{FF2B5EF4-FFF2-40B4-BE49-F238E27FC236}">
-                <a16:creationId xmlns:a16="http://schemas.microsoft.com/office/drawing/2014/main" id="{AA84F18E-E4F7-B2E4-6E46-94933C0A6D9E}"/>
+                <a16:creationId xmlns:a16="http://schemas.microsoft.com/office/drawing/2014/main" xmlns="" id="{AA84F18E-E4F7-B2E4-6E46-94933C0A6D9E}"/>
               </a:ext>
             </a:extLst>
           </p:cNvPr>
@@ -714,6 +720,7 @@
           <a:p>
             <a:fld id="{02E2EA80-7C9B-41E7-9BF5-38D2E4D7AF2E}" type="slidenum">
               <a:rPr lang="de-DE" smtClean="0"/>
+              <a:pPr/>
               <a:t>‹Nr.›</a:t>
             </a:fld>
             <a:endParaRPr lang="de-DE"/>
@@ -723,7 +730,7 @@
     </p:spTree>
     <p:extLst>
       <p:ext uri="{BB962C8B-B14F-4D97-AF65-F5344CB8AC3E}">
-        <p14:creationId xmlns:p14="http://schemas.microsoft.com/office/powerpoint/2010/main" val="3212023636"/>
+        <p14:creationId xmlns:p14="http://schemas.microsoft.com/office/powerpoint/2010/main" xmlns="" val="3212023636"/>
       </p:ext>
     </p:extLst>
   </p:cSld>
@@ -755,7 +762,7 @@
           <p:cNvPr id="2" name="Titel 1">
             <a:extLst>
               <a:ext uri="{FF2B5EF4-FFF2-40B4-BE49-F238E27FC236}">
-                <a16:creationId xmlns:a16="http://schemas.microsoft.com/office/drawing/2014/main" id="{52DC9446-9CE6-32D1-4EA1-7A1AE142BA1C}"/>
+                <a16:creationId xmlns:a16="http://schemas.microsoft.com/office/drawing/2014/main" xmlns="" id="{52DC9446-9CE6-32D1-4EA1-7A1AE142BA1C}"/>
               </a:ext>
             </a:extLst>
           </p:cNvPr>
@@ -783,7 +790,7 @@
           <p:cNvPr id="3" name="Inhaltsplatzhalter 2">
             <a:extLst>
               <a:ext uri="{FF2B5EF4-FFF2-40B4-BE49-F238E27FC236}">
-                <a16:creationId xmlns:a16="http://schemas.microsoft.com/office/drawing/2014/main" id="{A08D92B7-45ED-8FA1-3001-15320941C25D}"/>
+                <a16:creationId xmlns:a16="http://schemas.microsoft.com/office/drawing/2014/main" xmlns="" id="{A08D92B7-45ED-8FA1-3001-15320941C25D}"/>
               </a:ext>
             </a:extLst>
           </p:cNvPr>
@@ -840,7 +847,7 @@
           <p:cNvPr id="4" name="Datumsplatzhalter 3">
             <a:extLst>
               <a:ext uri="{FF2B5EF4-FFF2-40B4-BE49-F238E27FC236}">
-                <a16:creationId xmlns:a16="http://schemas.microsoft.com/office/drawing/2014/main" id="{E7110346-B500-CE6E-4421-765BC1107DD7}"/>
+                <a16:creationId xmlns:a16="http://schemas.microsoft.com/office/drawing/2014/main" xmlns="" id="{E7110346-B500-CE6E-4421-765BC1107DD7}"/>
               </a:ext>
             </a:extLst>
           </p:cNvPr>
@@ -858,6 +865,7 @@
           <a:p>
             <a:fld id="{EBAF77AC-7A72-45F9-A87A-C50BB5F30872}" type="datetimeFigureOut">
               <a:rPr lang="de-DE" smtClean="0"/>
+              <a:pPr/>
               <a:t>04.08.2023</a:t>
             </a:fld>
             <a:endParaRPr lang="de-DE"/>
@@ -869,7 +877,7 @@
           <p:cNvPr id="5" name="Fußzeilenplatzhalter 4">
             <a:extLst>
               <a:ext uri="{FF2B5EF4-FFF2-40B4-BE49-F238E27FC236}">
-                <a16:creationId xmlns:a16="http://schemas.microsoft.com/office/drawing/2014/main" id="{63BFAA04-D545-B153-D808-77A9594E77C7}"/>
+                <a16:creationId xmlns:a16="http://schemas.microsoft.com/office/drawing/2014/main" xmlns="" id="{63BFAA04-D545-B153-D808-77A9594E77C7}"/>
               </a:ext>
             </a:extLst>
           </p:cNvPr>
@@ -894,7 +902,7 @@
           <p:cNvPr id="6" name="Foliennummernplatzhalter 5">
             <a:extLst>
               <a:ext uri="{FF2B5EF4-FFF2-40B4-BE49-F238E27FC236}">
-                <a16:creationId xmlns:a16="http://schemas.microsoft.com/office/drawing/2014/main" id="{77881820-B5D0-6CA0-6F71-B664CEE7AC77}"/>
+                <a16:creationId xmlns:a16="http://schemas.microsoft.com/office/drawing/2014/main" xmlns="" id="{77881820-B5D0-6CA0-6F71-B664CEE7AC77}"/>
               </a:ext>
             </a:extLst>
           </p:cNvPr>
@@ -912,6 +920,7 @@
           <a:p>
             <a:fld id="{02E2EA80-7C9B-41E7-9BF5-38D2E4D7AF2E}" type="slidenum">
               <a:rPr lang="de-DE" smtClean="0"/>
+              <a:pPr/>
               <a:t>‹Nr.›</a:t>
             </a:fld>
             <a:endParaRPr lang="de-DE"/>
@@ -921,7 +930,7 @@
     </p:spTree>
     <p:extLst>
       <p:ext uri="{BB962C8B-B14F-4D97-AF65-F5344CB8AC3E}">
-        <p14:creationId xmlns:p14="http://schemas.microsoft.com/office/powerpoint/2010/main" val="3476439410"/>
+        <p14:creationId xmlns:p14="http://schemas.microsoft.com/office/powerpoint/2010/main" xmlns="" val="3476439410"/>
       </p:ext>
     </p:extLst>
   </p:cSld>
@@ -953,7 +962,7 @@
           <p:cNvPr id="2" name="Titel 1">
             <a:extLst>
               <a:ext uri="{FF2B5EF4-FFF2-40B4-BE49-F238E27FC236}">
-                <a16:creationId xmlns:a16="http://schemas.microsoft.com/office/drawing/2014/main" id="{140E3F9B-CEB7-9E10-F4BA-86F53CC7B879}"/>
+                <a16:creationId xmlns:a16="http://schemas.microsoft.com/office/drawing/2014/main" xmlns="" id="{140E3F9B-CEB7-9E10-F4BA-86F53CC7B879}"/>
               </a:ext>
             </a:extLst>
           </p:cNvPr>
@@ -990,7 +999,7 @@
           <p:cNvPr id="3" name="Textplatzhalter 2">
             <a:extLst>
               <a:ext uri="{FF2B5EF4-FFF2-40B4-BE49-F238E27FC236}">
-                <a16:creationId xmlns:a16="http://schemas.microsoft.com/office/drawing/2014/main" id="{F6ED785B-0CF3-9EC3-5B1F-4566B6DE3CC2}"/>
+                <a16:creationId xmlns:a16="http://schemas.microsoft.com/office/drawing/2014/main" xmlns="" id="{F6ED785B-0CF3-9EC3-5B1F-4566B6DE3CC2}"/>
               </a:ext>
             </a:extLst>
           </p:cNvPr>
@@ -1115,7 +1124,7 @@
           <p:cNvPr id="4" name="Datumsplatzhalter 3">
             <a:extLst>
               <a:ext uri="{FF2B5EF4-FFF2-40B4-BE49-F238E27FC236}">
-                <a16:creationId xmlns:a16="http://schemas.microsoft.com/office/drawing/2014/main" id="{BE84029B-851D-7A12-E281-BB99552069FC}"/>
+                <a16:creationId xmlns:a16="http://schemas.microsoft.com/office/drawing/2014/main" xmlns="" id="{BE84029B-851D-7A12-E281-BB99552069FC}"/>
               </a:ext>
             </a:extLst>
           </p:cNvPr>
@@ -1133,6 +1142,7 @@
           <a:p>
             <a:fld id="{EBAF77AC-7A72-45F9-A87A-C50BB5F30872}" type="datetimeFigureOut">
               <a:rPr lang="de-DE" smtClean="0"/>
+              <a:pPr/>
               <a:t>04.08.2023</a:t>
             </a:fld>
             <a:endParaRPr lang="de-DE"/>
@@ -1144,7 +1154,7 @@
           <p:cNvPr id="5" name="Fußzeilenplatzhalter 4">
             <a:extLst>
               <a:ext uri="{FF2B5EF4-FFF2-40B4-BE49-F238E27FC236}">
-                <a16:creationId xmlns:a16="http://schemas.microsoft.com/office/drawing/2014/main" id="{7D97A9FB-2F28-F5BA-A937-606262A9058C}"/>
+                <a16:creationId xmlns:a16="http://schemas.microsoft.com/office/drawing/2014/main" xmlns="" id="{7D97A9FB-2F28-F5BA-A937-606262A9058C}"/>
               </a:ext>
             </a:extLst>
           </p:cNvPr>
@@ -1169,7 +1179,7 @@
           <p:cNvPr id="6" name="Foliennummernplatzhalter 5">
             <a:extLst>
               <a:ext uri="{FF2B5EF4-FFF2-40B4-BE49-F238E27FC236}">
-                <a16:creationId xmlns:a16="http://schemas.microsoft.com/office/drawing/2014/main" id="{D71DC18D-86E5-9A61-8EBF-F9FCB57762A3}"/>
+                <a16:creationId xmlns:a16="http://schemas.microsoft.com/office/drawing/2014/main" xmlns="" id="{D71DC18D-86E5-9A61-8EBF-F9FCB57762A3}"/>
               </a:ext>
             </a:extLst>
           </p:cNvPr>
@@ -1187,6 +1197,7 @@
           <a:p>
             <a:fld id="{02E2EA80-7C9B-41E7-9BF5-38D2E4D7AF2E}" type="slidenum">
               <a:rPr lang="de-DE" smtClean="0"/>
+              <a:pPr/>
               <a:t>‹Nr.›</a:t>
             </a:fld>
             <a:endParaRPr lang="de-DE"/>
@@ -1196,7 +1207,7 @@
     </p:spTree>
     <p:extLst>
       <p:ext uri="{BB962C8B-B14F-4D97-AF65-F5344CB8AC3E}">
-        <p14:creationId xmlns:p14="http://schemas.microsoft.com/office/powerpoint/2010/main" val="2783919220"/>
+        <p14:creationId xmlns:p14="http://schemas.microsoft.com/office/powerpoint/2010/main" xmlns="" val="2783919220"/>
       </p:ext>
     </p:extLst>
   </p:cSld>
@@ -1228,7 +1239,7 @@
           <p:cNvPr id="2" name="Titel 1">
             <a:extLst>
               <a:ext uri="{FF2B5EF4-FFF2-40B4-BE49-F238E27FC236}">
-                <a16:creationId xmlns:a16="http://schemas.microsoft.com/office/drawing/2014/main" id="{B0FACB8F-ED92-DF42-22C3-FD7B1B90B80D}"/>
+                <a16:creationId xmlns:a16="http://schemas.microsoft.com/office/drawing/2014/main" xmlns="" id="{B0FACB8F-ED92-DF42-22C3-FD7B1B90B80D}"/>
               </a:ext>
             </a:extLst>
           </p:cNvPr>
@@ -1256,7 +1267,7 @@
           <p:cNvPr id="3" name="Inhaltsplatzhalter 2">
             <a:extLst>
               <a:ext uri="{FF2B5EF4-FFF2-40B4-BE49-F238E27FC236}">
-                <a16:creationId xmlns:a16="http://schemas.microsoft.com/office/drawing/2014/main" id="{FF468F7F-7E43-0837-BFC9-4BE0AF35EEC7}"/>
+                <a16:creationId xmlns:a16="http://schemas.microsoft.com/office/drawing/2014/main" xmlns="" id="{FF468F7F-7E43-0837-BFC9-4BE0AF35EEC7}"/>
               </a:ext>
             </a:extLst>
           </p:cNvPr>
@@ -1318,7 +1329,7 @@
           <p:cNvPr id="4" name="Inhaltsplatzhalter 3">
             <a:extLst>
               <a:ext uri="{FF2B5EF4-FFF2-40B4-BE49-F238E27FC236}">
-                <a16:creationId xmlns:a16="http://schemas.microsoft.com/office/drawing/2014/main" id="{F5C773F5-E1BC-5B47-3521-48514F106C97}"/>
+                <a16:creationId xmlns:a16="http://schemas.microsoft.com/office/drawing/2014/main" xmlns="" id="{F5C773F5-E1BC-5B47-3521-48514F106C97}"/>
               </a:ext>
             </a:extLst>
           </p:cNvPr>
@@ -1380,7 +1391,7 @@
           <p:cNvPr id="5" name="Datumsplatzhalter 4">
             <a:extLst>
               <a:ext uri="{FF2B5EF4-FFF2-40B4-BE49-F238E27FC236}">
-                <a16:creationId xmlns:a16="http://schemas.microsoft.com/office/drawing/2014/main" id="{072E4892-349E-233F-061C-67D5554BA1DB}"/>
+                <a16:creationId xmlns:a16="http://schemas.microsoft.com/office/drawing/2014/main" xmlns="" id="{072E4892-349E-233F-061C-67D5554BA1DB}"/>
               </a:ext>
             </a:extLst>
           </p:cNvPr>
@@ -1398,6 +1409,7 @@
           <a:p>
             <a:fld id="{EBAF77AC-7A72-45F9-A87A-C50BB5F30872}" type="datetimeFigureOut">
               <a:rPr lang="de-DE" smtClean="0"/>
+              <a:pPr/>
               <a:t>04.08.2023</a:t>
             </a:fld>
             <a:endParaRPr lang="de-DE"/>
@@ -1409,7 +1421,7 @@
           <p:cNvPr id="6" name="Fußzeilenplatzhalter 5">
             <a:extLst>
               <a:ext uri="{FF2B5EF4-FFF2-40B4-BE49-F238E27FC236}">
-                <a16:creationId xmlns:a16="http://schemas.microsoft.com/office/drawing/2014/main" id="{DC0449A1-E261-E355-85E3-6C5650383868}"/>
+                <a16:creationId xmlns:a16="http://schemas.microsoft.com/office/drawing/2014/main" xmlns="" id="{DC0449A1-E261-E355-85E3-6C5650383868}"/>
               </a:ext>
             </a:extLst>
           </p:cNvPr>
@@ -1434,7 +1446,7 @@
           <p:cNvPr id="7" name="Foliennummernplatzhalter 6">
             <a:extLst>
               <a:ext uri="{FF2B5EF4-FFF2-40B4-BE49-F238E27FC236}">
-                <a16:creationId xmlns:a16="http://schemas.microsoft.com/office/drawing/2014/main" id="{028555C0-F3C8-AB68-5513-FAA8C892EE6D}"/>
+                <a16:creationId xmlns:a16="http://schemas.microsoft.com/office/drawing/2014/main" xmlns="" id="{028555C0-F3C8-AB68-5513-FAA8C892EE6D}"/>
               </a:ext>
             </a:extLst>
           </p:cNvPr>
@@ -1452,6 +1464,7 @@
           <a:p>
             <a:fld id="{02E2EA80-7C9B-41E7-9BF5-38D2E4D7AF2E}" type="slidenum">
               <a:rPr lang="de-DE" smtClean="0"/>
+              <a:pPr/>
               <a:t>‹Nr.›</a:t>
             </a:fld>
             <a:endParaRPr lang="de-DE"/>
@@ -1461,7 +1474,7 @@
     </p:spTree>
     <p:extLst>
       <p:ext uri="{BB962C8B-B14F-4D97-AF65-F5344CB8AC3E}">
-        <p14:creationId xmlns:p14="http://schemas.microsoft.com/office/powerpoint/2010/main" val="3492155897"/>
+        <p14:creationId xmlns:p14="http://schemas.microsoft.com/office/powerpoint/2010/main" xmlns="" val="3492155897"/>
       </p:ext>
     </p:extLst>
   </p:cSld>
@@ -1493,7 +1506,7 @@
           <p:cNvPr id="2" name="Titel 1">
             <a:extLst>
               <a:ext uri="{FF2B5EF4-FFF2-40B4-BE49-F238E27FC236}">
-                <a16:creationId xmlns:a16="http://schemas.microsoft.com/office/drawing/2014/main" id="{641A44C2-59A6-A6F6-19B9-5C3332F72E48}"/>
+                <a16:creationId xmlns:a16="http://schemas.microsoft.com/office/drawing/2014/main" xmlns="" id="{641A44C2-59A6-A6F6-19B9-5C3332F72E48}"/>
               </a:ext>
             </a:extLst>
           </p:cNvPr>
@@ -1526,7 +1539,7 @@
           <p:cNvPr id="3" name="Textplatzhalter 2">
             <a:extLst>
               <a:ext uri="{FF2B5EF4-FFF2-40B4-BE49-F238E27FC236}">
-                <a16:creationId xmlns:a16="http://schemas.microsoft.com/office/drawing/2014/main" id="{F62736AA-E73F-009E-39B7-0864DE9F1D5D}"/>
+                <a16:creationId xmlns:a16="http://schemas.microsoft.com/office/drawing/2014/main" xmlns="" id="{F62736AA-E73F-009E-39B7-0864DE9F1D5D}"/>
               </a:ext>
             </a:extLst>
           </p:cNvPr>
@@ -1597,7 +1610,7 @@
           <p:cNvPr id="4" name="Inhaltsplatzhalter 3">
             <a:extLst>
               <a:ext uri="{FF2B5EF4-FFF2-40B4-BE49-F238E27FC236}">
-                <a16:creationId xmlns:a16="http://schemas.microsoft.com/office/drawing/2014/main" id="{B71BF543-FF48-A95A-B3AB-53DBBCD9E856}"/>
+                <a16:creationId xmlns:a16="http://schemas.microsoft.com/office/drawing/2014/main" xmlns="" id="{B71BF543-FF48-A95A-B3AB-53DBBCD9E856}"/>
               </a:ext>
             </a:extLst>
           </p:cNvPr>
@@ -1659,7 +1672,7 @@
           <p:cNvPr id="5" name="Textplatzhalter 4">
             <a:extLst>
               <a:ext uri="{FF2B5EF4-FFF2-40B4-BE49-F238E27FC236}">
-                <a16:creationId xmlns:a16="http://schemas.microsoft.com/office/drawing/2014/main" id="{7FAEE05F-47CD-D7F7-BF0E-3FF21F19ADE3}"/>
+                <a16:creationId xmlns:a16="http://schemas.microsoft.com/office/drawing/2014/main" xmlns="" id="{7FAEE05F-47CD-D7F7-BF0E-3FF21F19ADE3}"/>
               </a:ext>
             </a:extLst>
           </p:cNvPr>
@@ -1730,7 +1743,7 @@
           <p:cNvPr id="6" name="Inhaltsplatzhalter 5">
             <a:extLst>
               <a:ext uri="{FF2B5EF4-FFF2-40B4-BE49-F238E27FC236}">
-                <a16:creationId xmlns:a16="http://schemas.microsoft.com/office/drawing/2014/main" id="{ACDE9C90-9915-F028-235D-C810525EDADB}"/>
+                <a16:creationId xmlns:a16="http://schemas.microsoft.com/office/drawing/2014/main" xmlns="" id="{ACDE9C90-9915-F028-235D-C810525EDADB}"/>
               </a:ext>
             </a:extLst>
           </p:cNvPr>
@@ -1792,7 +1805,7 @@
           <p:cNvPr id="7" name="Datumsplatzhalter 6">
             <a:extLst>
               <a:ext uri="{FF2B5EF4-FFF2-40B4-BE49-F238E27FC236}">
-                <a16:creationId xmlns:a16="http://schemas.microsoft.com/office/drawing/2014/main" id="{65650B1C-0F17-CC87-0528-B4A59CB192BC}"/>
+                <a16:creationId xmlns:a16="http://schemas.microsoft.com/office/drawing/2014/main" xmlns="" id="{65650B1C-0F17-CC87-0528-B4A59CB192BC}"/>
               </a:ext>
             </a:extLst>
           </p:cNvPr>
@@ -1810,6 +1823,7 @@
           <a:p>
             <a:fld id="{EBAF77AC-7A72-45F9-A87A-C50BB5F30872}" type="datetimeFigureOut">
               <a:rPr lang="de-DE" smtClean="0"/>
+              <a:pPr/>
               <a:t>04.08.2023</a:t>
             </a:fld>
             <a:endParaRPr lang="de-DE"/>
@@ -1821,7 +1835,7 @@
           <p:cNvPr id="8" name="Fußzeilenplatzhalter 7">
             <a:extLst>
               <a:ext uri="{FF2B5EF4-FFF2-40B4-BE49-F238E27FC236}">
-                <a16:creationId xmlns:a16="http://schemas.microsoft.com/office/drawing/2014/main" id="{D80745D1-56AA-2B0B-C52B-8D3C760604E1}"/>
+                <a16:creationId xmlns:a16="http://schemas.microsoft.com/office/drawing/2014/main" xmlns="" id="{D80745D1-56AA-2B0B-C52B-8D3C760604E1}"/>
               </a:ext>
             </a:extLst>
           </p:cNvPr>
@@ -1846,7 +1860,7 @@
           <p:cNvPr id="9" name="Foliennummernplatzhalter 8">
             <a:extLst>
               <a:ext uri="{FF2B5EF4-FFF2-40B4-BE49-F238E27FC236}">
-                <a16:creationId xmlns:a16="http://schemas.microsoft.com/office/drawing/2014/main" id="{EC1A0128-DAF8-FBB2-8A46-D0D987D5F7CA}"/>
+                <a16:creationId xmlns:a16="http://schemas.microsoft.com/office/drawing/2014/main" xmlns="" id="{EC1A0128-DAF8-FBB2-8A46-D0D987D5F7CA}"/>
               </a:ext>
             </a:extLst>
           </p:cNvPr>
@@ -1864,6 +1878,7 @@
           <a:p>
             <a:fld id="{02E2EA80-7C9B-41E7-9BF5-38D2E4D7AF2E}" type="slidenum">
               <a:rPr lang="de-DE" smtClean="0"/>
+              <a:pPr/>
               <a:t>‹Nr.›</a:t>
             </a:fld>
             <a:endParaRPr lang="de-DE"/>
@@ -1873,7 +1888,7 @@
     </p:spTree>
     <p:extLst>
       <p:ext uri="{BB962C8B-B14F-4D97-AF65-F5344CB8AC3E}">
-        <p14:creationId xmlns:p14="http://schemas.microsoft.com/office/powerpoint/2010/main" val="579132328"/>
+        <p14:creationId xmlns:p14="http://schemas.microsoft.com/office/powerpoint/2010/main" xmlns="" val="579132328"/>
       </p:ext>
     </p:extLst>
   </p:cSld>
@@ -1905,7 +1920,7 @@
           <p:cNvPr id="2" name="Titel 1">
             <a:extLst>
               <a:ext uri="{FF2B5EF4-FFF2-40B4-BE49-F238E27FC236}">
-                <a16:creationId xmlns:a16="http://schemas.microsoft.com/office/drawing/2014/main" id="{D598375A-D812-B4AA-0CC9-404AF2606C30}"/>
+                <a16:creationId xmlns:a16="http://schemas.microsoft.com/office/drawing/2014/main" xmlns="" id="{D598375A-D812-B4AA-0CC9-404AF2606C30}"/>
               </a:ext>
             </a:extLst>
           </p:cNvPr>
@@ -1933,7 +1948,7 @@
           <p:cNvPr id="3" name="Datumsplatzhalter 2">
             <a:extLst>
               <a:ext uri="{FF2B5EF4-FFF2-40B4-BE49-F238E27FC236}">
-                <a16:creationId xmlns:a16="http://schemas.microsoft.com/office/drawing/2014/main" id="{927318AF-9BB0-5DCD-8BDF-569A36FCBA99}"/>
+                <a16:creationId xmlns:a16="http://schemas.microsoft.com/office/drawing/2014/main" xmlns="" id="{927318AF-9BB0-5DCD-8BDF-569A36FCBA99}"/>
               </a:ext>
             </a:extLst>
           </p:cNvPr>
@@ -1951,6 +1966,7 @@
           <a:p>
             <a:fld id="{EBAF77AC-7A72-45F9-A87A-C50BB5F30872}" type="datetimeFigureOut">
               <a:rPr lang="de-DE" smtClean="0"/>
+              <a:pPr/>
               <a:t>04.08.2023</a:t>
             </a:fld>
             <a:endParaRPr lang="de-DE"/>
@@ -1962,7 +1978,7 @@
           <p:cNvPr id="4" name="Fußzeilenplatzhalter 3">
             <a:extLst>
               <a:ext uri="{FF2B5EF4-FFF2-40B4-BE49-F238E27FC236}">
-                <a16:creationId xmlns:a16="http://schemas.microsoft.com/office/drawing/2014/main" id="{58C7EFFD-689E-508C-0B08-4EC65A73CD01}"/>
+                <a16:creationId xmlns:a16="http://schemas.microsoft.com/office/drawing/2014/main" xmlns="" id="{58C7EFFD-689E-508C-0B08-4EC65A73CD01}"/>
               </a:ext>
             </a:extLst>
           </p:cNvPr>
@@ -1987,7 +2003,7 @@
           <p:cNvPr id="5" name="Foliennummernplatzhalter 4">
             <a:extLst>
               <a:ext uri="{FF2B5EF4-FFF2-40B4-BE49-F238E27FC236}">
-                <a16:creationId xmlns:a16="http://schemas.microsoft.com/office/drawing/2014/main" id="{B52F78F6-9C08-D75B-4250-74CA83CBA535}"/>
+                <a16:creationId xmlns:a16="http://schemas.microsoft.com/office/drawing/2014/main" xmlns="" id="{B52F78F6-9C08-D75B-4250-74CA83CBA535}"/>
               </a:ext>
             </a:extLst>
           </p:cNvPr>
@@ -2005,6 +2021,7 @@
           <a:p>
             <a:fld id="{02E2EA80-7C9B-41E7-9BF5-38D2E4D7AF2E}" type="slidenum">
               <a:rPr lang="de-DE" smtClean="0"/>
+              <a:pPr/>
               <a:t>‹Nr.›</a:t>
             </a:fld>
             <a:endParaRPr lang="de-DE"/>
@@ -2014,7 +2031,7 @@
     </p:spTree>
     <p:extLst>
       <p:ext uri="{BB962C8B-B14F-4D97-AF65-F5344CB8AC3E}">
-        <p14:creationId xmlns:p14="http://schemas.microsoft.com/office/powerpoint/2010/main" val="1703392537"/>
+        <p14:creationId xmlns:p14="http://schemas.microsoft.com/office/powerpoint/2010/main" xmlns="" val="1703392537"/>
       </p:ext>
     </p:extLst>
   </p:cSld>
@@ -2046,7 +2063,7 @@
           <p:cNvPr id="2" name="Datumsplatzhalter 1">
             <a:extLst>
               <a:ext uri="{FF2B5EF4-FFF2-40B4-BE49-F238E27FC236}">
-                <a16:creationId xmlns:a16="http://schemas.microsoft.com/office/drawing/2014/main" id="{D46AA169-32D8-AF66-99D3-9D1B14BA45B4}"/>
+                <a16:creationId xmlns:a16="http://schemas.microsoft.com/office/drawing/2014/main" xmlns="" id="{D46AA169-32D8-AF66-99D3-9D1B14BA45B4}"/>
               </a:ext>
             </a:extLst>
           </p:cNvPr>
@@ -2064,6 +2081,7 @@
           <a:p>
             <a:fld id="{EBAF77AC-7A72-45F9-A87A-C50BB5F30872}" type="datetimeFigureOut">
               <a:rPr lang="de-DE" smtClean="0"/>
+              <a:pPr/>
               <a:t>04.08.2023</a:t>
             </a:fld>
             <a:endParaRPr lang="de-DE"/>
@@ -2075,7 +2093,7 @@
           <p:cNvPr id="3" name="Fußzeilenplatzhalter 2">
             <a:extLst>
               <a:ext uri="{FF2B5EF4-FFF2-40B4-BE49-F238E27FC236}">
-                <a16:creationId xmlns:a16="http://schemas.microsoft.com/office/drawing/2014/main" id="{E29DFE47-1102-C8C1-8B07-0180E4F8CCAE}"/>
+                <a16:creationId xmlns:a16="http://schemas.microsoft.com/office/drawing/2014/main" xmlns="" id="{E29DFE47-1102-C8C1-8B07-0180E4F8CCAE}"/>
               </a:ext>
             </a:extLst>
           </p:cNvPr>
@@ -2100,7 +2118,7 @@
           <p:cNvPr id="4" name="Foliennummernplatzhalter 3">
             <a:extLst>
               <a:ext uri="{FF2B5EF4-FFF2-40B4-BE49-F238E27FC236}">
-                <a16:creationId xmlns:a16="http://schemas.microsoft.com/office/drawing/2014/main" id="{A2AA73DE-2E8E-01C8-A36C-0A625939C0EB}"/>
+                <a16:creationId xmlns:a16="http://schemas.microsoft.com/office/drawing/2014/main" xmlns="" id="{A2AA73DE-2E8E-01C8-A36C-0A625939C0EB}"/>
               </a:ext>
             </a:extLst>
           </p:cNvPr>
@@ -2118,6 +2136,7 @@
           <a:p>
             <a:fld id="{02E2EA80-7C9B-41E7-9BF5-38D2E4D7AF2E}" type="slidenum">
               <a:rPr lang="de-DE" smtClean="0"/>
+              <a:pPr/>
               <a:t>‹Nr.›</a:t>
             </a:fld>
             <a:endParaRPr lang="de-DE"/>
@@ -2127,7 +2146,7 @@
     </p:spTree>
     <p:extLst>
       <p:ext uri="{BB962C8B-B14F-4D97-AF65-F5344CB8AC3E}">
-        <p14:creationId xmlns:p14="http://schemas.microsoft.com/office/powerpoint/2010/main" val="2057210221"/>
+        <p14:creationId xmlns:p14="http://schemas.microsoft.com/office/powerpoint/2010/main" xmlns="" val="2057210221"/>
       </p:ext>
     </p:extLst>
   </p:cSld>
@@ -2159,7 +2178,7 @@
           <p:cNvPr id="2" name="Titel 1">
             <a:extLst>
               <a:ext uri="{FF2B5EF4-FFF2-40B4-BE49-F238E27FC236}">
-                <a16:creationId xmlns:a16="http://schemas.microsoft.com/office/drawing/2014/main" id="{0EC7E99D-BB88-E5FF-04D6-C494481B013D}"/>
+                <a16:creationId xmlns:a16="http://schemas.microsoft.com/office/drawing/2014/main" xmlns="" id="{0EC7E99D-BB88-E5FF-04D6-C494481B013D}"/>
               </a:ext>
             </a:extLst>
           </p:cNvPr>
@@ -2196,7 +2215,7 @@
           <p:cNvPr id="3" name="Inhaltsplatzhalter 2">
             <a:extLst>
               <a:ext uri="{FF2B5EF4-FFF2-40B4-BE49-F238E27FC236}">
-                <a16:creationId xmlns:a16="http://schemas.microsoft.com/office/drawing/2014/main" id="{D2BC2FAC-07F8-217E-27D8-2418F3689987}"/>
+                <a16:creationId xmlns:a16="http://schemas.microsoft.com/office/drawing/2014/main" xmlns="" id="{D2BC2FAC-07F8-217E-27D8-2418F3689987}"/>
               </a:ext>
             </a:extLst>
           </p:cNvPr>
@@ -2286,7 +2305,7 @@
           <p:cNvPr id="4" name="Textplatzhalter 3">
             <a:extLst>
               <a:ext uri="{FF2B5EF4-FFF2-40B4-BE49-F238E27FC236}">
-                <a16:creationId xmlns:a16="http://schemas.microsoft.com/office/drawing/2014/main" id="{FBCEC9AB-F80A-68C6-AC58-D39FCD981323}"/>
+                <a16:creationId xmlns:a16="http://schemas.microsoft.com/office/drawing/2014/main" xmlns="" id="{FBCEC9AB-F80A-68C6-AC58-D39FCD981323}"/>
               </a:ext>
             </a:extLst>
           </p:cNvPr>
@@ -2357,7 +2376,7 @@
           <p:cNvPr id="5" name="Datumsplatzhalter 4">
             <a:extLst>
               <a:ext uri="{FF2B5EF4-FFF2-40B4-BE49-F238E27FC236}">
-                <a16:creationId xmlns:a16="http://schemas.microsoft.com/office/drawing/2014/main" id="{67ADACEE-C1DE-8A66-3AA5-4C6186CB8628}"/>
+                <a16:creationId xmlns:a16="http://schemas.microsoft.com/office/drawing/2014/main" xmlns="" id="{67ADACEE-C1DE-8A66-3AA5-4C6186CB8628}"/>
               </a:ext>
             </a:extLst>
           </p:cNvPr>
@@ -2375,6 +2394,7 @@
           <a:p>
             <a:fld id="{EBAF77AC-7A72-45F9-A87A-C50BB5F30872}" type="datetimeFigureOut">
               <a:rPr lang="de-DE" smtClean="0"/>
+              <a:pPr/>
               <a:t>04.08.2023</a:t>
             </a:fld>
             <a:endParaRPr lang="de-DE"/>
@@ -2386,7 +2406,7 @@
           <p:cNvPr id="6" name="Fußzeilenplatzhalter 5">
             <a:extLst>
               <a:ext uri="{FF2B5EF4-FFF2-40B4-BE49-F238E27FC236}">
-                <a16:creationId xmlns:a16="http://schemas.microsoft.com/office/drawing/2014/main" id="{056EFD27-A943-2F02-086E-929BC49FD595}"/>
+                <a16:creationId xmlns:a16="http://schemas.microsoft.com/office/drawing/2014/main" xmlns="" id="{056EFD27-A943-2F02-086E-929BC49FD595}"/>
               </a:ext>
             </a:extLst>
           </p:cNvPr>
@@ -2411,7 +2431,7 @@
           <p:cNvPr id="7" name="Foliennummernplatzhalter 6">
             <a:extLst>
               <a:ext uri="{FF2B5EF4-FFF2-40B4-BE49-F238E27FC236}">
-                <a16:creationId xmlns:a16="http://schemas.microsoft.com/office/drawing/2014/main" id="{9EF9AFCC-10F0-6CE2-7FE4-336DD77ABC5C}"/>
+                <a16:creationId xmlns:a16="http://schemas.microsoft.com/office/drawing/2014/main" xmlns="" id="{9EF9AFCC-10F0-6CE2-7FE4-336DD77ABC5C}"/>
               </a:ext>
             </a:extLst>
           </p:cNvPr>
@@ -2429,6 +2449,7 @@
           <a:p>
             <a:fld id="{02E2EA80-7C9B-41E7-9BF5-38D2E4D7AF2E}" type="slidenum">
               <a:rPr lang="de-DE" smtClean="0"/>
+              <a:pPr/>
               <a:t>‹Nr.›</a:t>
             </a:fld>
             <a:endParaRPr lang="de-DE"/>
@@ -2438,7 +2459,7 @@
     </p:spTree>
     <p:extLst>
       <p:ext uri="{BB962C8B-B14F-4D97-AF65-F5344CB8AC3E}">
-        <p14:creationId xmlns:p14="http://schemas.microsoft.com/office/powerpoint/2010/main" val="871152903"/>
+        <p14:creationId xmlns:p14="http://schemas.microsoft.com/office/powerpoint/2010/main" xmlns="" val="871152903"/>
       </p:ext>
     </p:extLst>
   </p:cSld>
@@ -2470,7 +2491,7 @@
           <p:cNvPr id="2" name="Titel 1">
             <a:extLst>
               <a:ext uri="{FF2B5EF4-FFF2-40B4-BE49-F238E27FC236}">
-                <a16:creationId xmlns:a16="http://schemas.microsoft.com/office/drawing/2014/main" id="{3E4F71B3-A6EA-8FF7-C35B-CA3E54CE19C8}"/>
+                <a16:creationId xmlns:a16="http://schemas.microsoft.com/office/drawing/2014/main" xmlns="" id="{3E4F71B3-A6EA-8FF7-C35B-CA3E54CE19C8}"/>
               </a:ext>
             </a:extLst>
           </p:cNvPr>
@@ -2507,7 +2528,7 @@
           <p:cNvPr id="3" name="Bildplatzhalter 2">
             <a:extLst>
               <a:ext uri="{FF2B5EF4-FFF2-40B4-BE49-F238E27FC236}">
-                <a16:creationId xmlns:a16="http://schemas.microsoft.com/office/drawing/2014/main" id="{68394147-271A-E9BC-F8B4-09CD8369C378}"/>
+                <a16:creationId xmlns:a16="http://schemas.microsoft.com/office/drawing/2014/main" xmlns="" id="{68394147-271A-E9BC-F8B4-09CD8369C378}"/>
               </a:ext>
             </a:extLst>
           </p:cNvPr>
@@ -2574,7 +2595,7 @@
           <p:cNvPr id="4" name="Textplatzhalter 3">
             <a:extLst>
               <a:ext uri="{FF2B5EF4-FFF2-40B4-BE49-F238E27FC236}">
-                <a16:creationId xmlns:a16="http://schemas.microsoft.com/office/drawing/2014/main" id="{D9D2B45F-35AB-2073-08A3-031DE12E3198}"/>
+                <a16:creationId xmlns:a16="http://schemas.microsoft.com/office/drawing/2014/main" xmlns="" id="{D9D2B45F-35AB-2073-08A3-031DE12E3198}"/>
               </a:ext>
             </a:extLst>
           </p:cNvPr>
@@ -2645,7 +2666,7 @@
           <p:cNvPr id="5" name="Datumsplatzhalter 4">
             <a:extLst>
               <a:ext uri="{FF2B5EF4-FFF2-40B4-BE49-F238E27FC236}">
-                <a16:creationId xmlns:a16="http://schemas.microsoft.com/office/drawing/2014/main" id="{66DE0638-780C-357A-381C-56BB4BE8E9CB}"/>
+                <a16:creationId xmlns:a16="http://schemas.microsoft.com/office/drawing/2014/main" xmlns="" id="{66DE0638-780C-357A-381C-56BB4BE8E9CB}"/>
               </a:ext>
             </a:extLst>
           </p:cNvPr>
@@ -2663,6 +2684,7 @@
           <a:p>
             <a:fld id="{EBAF77AC-7A72-45F9-A87A-C50BB5F30872}" type="datetimeFigureOut">
               <a:rPr lang="de-DE" smtClean="0"/>
+              <a:pPr/>
               <a:t>04.08.2023</a:t>
             </a:fld>
             <a:endParaRPr lang="de-DE"/>
@@ -2674,7 +2696,7 @@
           <p:cNvPr id="6" name="Fußzeilenplatzhalter 5">
             <a:extLst>
               <a:ext uri="{FF2B5EF4-FFF2-40B4-BE49-F238E27FC236}">
-                <a16:creationId xmlns:a16="http://schemas.microsoft.com/office/drawing/2014/main" id="{60BF5983-9618-F14E-CD7F-6B7D5F180F5D}"/>
+                <a16:creationId xmlns:a16="http://schemas.microsoft.com/office/drawing/2014/main" xmlns="" id="{60BF5983-9618-F14E-CD7F-6B7D5F180F5D}"/>
               </a:ext>
             </a:extLst>
           </p:cNvPr>
@@ -2699,7 +2721,7 @@
           <p:cNvPr id="7" name="Foliennummernplatzhalter 6">
             <a:extLst>
               <a:ext uri="{FF2B5EF4-FFF2-40B4-BE49-F238E27FC236}">
-                <a16:creationId xmlns:a16="http://schemas.microsoft.com/office/drawing/2014/main" id="{B70949AD-EC3A-F62E-19EA-97163EDDC124}"/>
+                <a16:creationId xmlns:a16="http://schemas.microsoft.com/office/drawing/2014/main" xmlns="" id="{B70949AD-EC3A-F62E-19EA-97163EDDC124}"/>
               </a:ext>
             </a:extLst>
           </p:cNvPr>
@@ -2717,6 +2739,7 @@
           <a:p>
             <a:fld id="{02E2EA80-7C9B-41E7-9BF5-38D2E4D7AF2E}" type="slidenum">
               <a:rPr lang="de-DE" smtClean="0"/>
+              <a:pPr/>
               <a:t>‹Nr.›</a:t>
             </a:fld>
             <a:endParaRPr lang="de-DE"/>
@@ -2726,7 +2749,7 @@
     </p:spTree>
     <p:extLst>
       <p:ext uri="{BB962C8B-B14F-4D97-AF65-F5344CB8AC3E}">
-        <p14:creationId xmlns:p14="http://schemas.microsoft.com/office/powerpoint/2010/main" val="1610925927"/>
+        <p14:creationId xmlns:p14="http://schemas.microsoft.com/office/powerpoint/2010/main" xmlns="" val="1610925927"/>
       </p:ext>
     </p:extLst>
   </p:cSld>
@@ -2763,7 +2786,7 @@
           <p:cNvPr id="2" name="Titelplatzhalter 1">
             <a:extLst>
               <a:ext uri="{FF2B5EF4-FFF2-40B4-BE49-F238E27FC236}">
-                <a16:creationId xmlns:a16="http://schemas.microsoft.com/office/drawing/2014/main" id="{607AC1EC-F653-BC0A-03FD-7941788C1754}"/>
+                <a16:creationId xmlns:a16="http://schemas.microsoft.com/office/drawing/2014/main" xmlns="" id="{607AC1EC-F653-BC0A-03FD-7941788C1754}"/>
               </a:ext>
             </a:extLst>
           </p:cNvPr>
@@ -2801,7 +2824,7 @@
           <p:cNvPr id="3" name="Textplatzhalter 2">
             <a:extLst>
               <a:ext uri="{FF2B5EF4-FFF2-40B4-BE49-F238E27FC236}">
-                <a16:creationId xmlns:a16="http://schemas.microsoft.com/office/drawing/2014/main" id="{8777D7C4-7B7D-837E-EF66-3AC340D43372}"/>
+                <a16:creationId xmlns:a16="http://schemas.microsoft.com/office/drawing/2014/main" xmlns="" id="{8777D7C4-7B7D-837E-EF66-3AC340D43372}"/>
               </a:ext>
             </a:extLst>
           </p:cNvPr>
@@ -2868,7 +2891,7 @@
           <p:cNvPr id="4" name="Datumsplatzhalter 3">
             <a:extLst>
               <a:ext uri="{FF2B5EF4-FFF2-40B4-BE49-F238E27FC236}">
-                <a16:creationId xmlns:a16="http://schemas.microsoft.com/office/drawing/2014/main" id="{F849CC57-70DA-B407-9255-1DB0A1777B31}"/>
+                <a16:creationId xmlns:a16="http://schemas.microsoft.com/office/drawing/2014/main" xmlns="" id="{F849CC57-70DA-B407-9255-1DB0A1777B31}"/>
               </a:ext>
             </a:extLst>
           </p:cNvPr>
@@ -2904,6 +2927,7 @@
           <a:p>
             <a:fld id="{EBAF77AC-7A72-45F9-A87A-C50BB5F30872}" type="datetimeFigureOut">
               <a:rPr lang="de-DE" smtClean="0"/>
+              <a:pPr/>
               <a:t>04.08.2023</a:t>
             </a:fld>
             <a:endParaRPr lang="de-DE"/>
@@ -2915,7 +2939,7 @@
           <p:cNvPr id="5" name="Fußzeilenplatzhalter 4">
             <a:extLst>
               <a:ext uri="{FF2B5EF4-FFF2-40B4-BE49-F238E27FC236}">
-                <a16:creationId xmlns:a16="http://schemas.microsoft.com/office/drawing/2014/main" id="{22853691-72D8-768E-B996-16865F775D5E}"/>
+                <a16:creationId xmlns:a16="http://schemas.microsoft.com/office/drawing/2014/main" xmlns="" id="{22853691-72D8-768E-B996-16865F775D5E}"/>
               </a:ext>
             </a:extLst>
           </p:cNvPr>
@@ -2958,7 +2982,7 @@
           <p:cNvPr id="6" name="Foliennummernplatzhalter 5">
             <a:extLst>
               <a:ext uri="{FF2B5EF4-FFF2-40B4-BE49-F238E27FC236}">
-                <a16:creationId xmlns:a16="http://schemas.microsoft.com/office/drawing/2014/main" id="{70058293-0EF9-6BDA-BFFB-6CE1F60E0950}"/>
+                <a16:creationId xmlns:a16="http://schemas.microsoft.com/office/drawing/2014/main" xmlns="" id="{70058293-0EF9-6BDA-BFFB-6CE1F60E0950}"/>
               </a:ext>
             </a:extLst>
           </p:cNvPr>
@@ -2994,6 +3018,7 @@
           <a:p>
             <a:fld id="{02E2EA80-7C9B-41E7-9BF5-38D2E4D7AF2E}" type="slidenum">
               <a:rPr lang="de-DE" smtClean="0"/>
+              <a:pPr/>
               <a:t>‹Nr.›</a:t>
             </a:fld>
             <a:endParaRPr lang="de-DE"/>
@@ -3003,7 +3028,7 @@
     </p:spTree>
     <p:extLst>
       <p:ext uri="{BB962C8B-B14F-4D97-AF65-F5344CB8AC3E}">
-        <p14:creationId xmlns:p14="http://schemas.microsoft.com/office/powerpoint/2010/main" val="3693648509"/>
+        <p14:creationId xmlns:p14="http://schemas.microsoft.com/office/powerpoint/2010/main" xmlns="" val="3693648509"/>
       </p:ext>
     </p:extLst>
   </p:cSld>
@@ -3326,7 +3351,7 @@
           <p:cNvPr id="22" name="Gruppieren 21">
             <a:extLst>
               <a:ext uri="{FF2B5EF4-FFF2-40B4-BE49-F238E27FC236}">
-                <a16:creationId xmlns:a16="http://schemas.microsoft.com/office/drawing/2014/main" id="{FB67D00F-7DAF-4F43-FD16-C9954D2EAFB4}"/>
+                <a16:creationId xmlns:a16="http://schemas.microsoft.com/office/drawing/2014/main" xmlns="" id="{FB67D00F-7DAF-4F43-FD16-C9954D2EAFB4}"/>
               </a:ext>
             </a:extLst>
           </p:cNvPr>
@@ -3346,7 +3371,7 @@
             <p:cNvPr id="5" name="Grafik 4">
               <a:extLst>
                 <a:ext uri="{FF2B5EF4-FFF2-40B4-BE49-F238E27FC236}">
-                  <a16:creationId xmlns:a16="http://schemas.microsoft.com/office/drawing/2014/main" id="{44971DE6-9E8C-94EC-D218-F39DBE0CA58A}"/>
+                  <a16:creationId xmlns:a16="http://schemas.microsoft.com/office/drawing/2014/main" xmlns="" id="{44971DE6-9E8C-94EC-D218-F39DBE0CA58A}"/>
                 </a:ext>
               </a:extLst>
             </p:cNvPr>
@@ -3356,10 +3381,10 @@
             <p:nvPr/>
           </p:nvPicPr>
           <p:blipFill>
-            <a:blip r:embed="rId2">
+            <a:blip r:embed="rId2" cstate="print">
               <a:extLst>
                 <a:ext uri="{28A0092B-C50C-407E-A947-70E740481C1C}">
-                  <a14:useLocalDpi xmlns:a14="http://schemas.microsoft.com/office/drawing/2010/main" val="0"/>
+                  <a14:useLocalDpi xmlns:a14="http://schemas.microsoft.com/office/drawing/2010/main" xmlns="" val="0"/>
                 </a:ext>
               </a:extLst>
             </a:blip>
@@ -3382,7 +3407,7 @@
             <p:cNvPr id="6" name="Rechteck 5">
               <a:extLst>
                 <a:ext uri="{FF2B5EF4-FFF2-40B4-BE49-F238E27FC236}">
-                  <a16:creationId xmlns:a16="http://schemas.microsoft.com/office/drawing/2014/main" id="{8D02869F-E86A-C2B4-A61E-3F1B8D62F896}"/>
+                  <a16:creationId xmlns:a16="http://schemas.microsoft.com/office/drawing/2014/main" xmlns="" id="{8D02869F-E86A-C2B4-A61E-3F1B8D62F896}"/>
                 </a:ext>
               </a:extLst>
             </p:cNvPr>
@@ -3434,7 +3459,7 @@
             <p:cNvPr id="7" name="Textfeld 6">
               <a:extLst>
                 <a:ext uri="{FF2B5EF4-FFF2-40B4-BE49-F238E27FC236}">
-                  <a16:creationId xmlns:a16="http://schemas.microsoft.com/office/drawing/2014/main" id="{0FC6C540-2BBA-0DB9-EB51-0F8C5065A11F}"/>
+                  <a16:creationId xmlns:a16="http://schemas.microsoft.com/office/drawing/2014/main" xmlns="" id="{0FC6C540-2BBA-0DB9-EB51-0F8C5065A11F}"/>
                 </a:ext>
               </a:extLst>
             </p:cNvPr>
@@ -3469,7 +3494,7 @@
             <p:cNvPr id="8" name="Textfeld 7">
               <a:extLst>
                 <a:ext uri="{FF2B5EF4-FFF2-40B4-BE49-F238E27FC236}">
-                  <a16:creationId xmlns:a16="http://schemas.microsoft.com/office/drawing/2014/main" id="{F3278A17-6854-A40E-CDB2-FC0D23B4CA46}"/>
+                  <a16:creationId xmlns:a16="http://schemas.microsoft.com/office/drawing/2014/main" xmlns="" id="{F3278A17-6854-A40E-CDB2-FC0D23B4CA46}"/>
                 </a:ext>
               </a:extLst>
             </p:cNvPr>
@@ -3504,7 +3529,7 @@
             <p:cNvPr id="9" name="Textfeld 8">
               <a:extLst>
                 <a:ext uri="{FF2B5EF4-FFF2-40B4-BE49-F238E27FC236}">
-                  <a16:creationId xmlns:a16="http://schemas.microsoft.com/office/drawing/2014/main" id="{189E4265-A206-0799-7D1B-46799EB16220}"/>
+                  <a16:creationId xmlns:a16="http://schemas.microsoft.com/office/drawing/2014/main" xmlns="" id="{189E4265-A206-0799-7D1B-46799EB16220}"/>
                 </a:ext>
               </a:extLst>
             </p:cNvPr>
@@ -3543,7 +3568,7 @@
             <p:cNvPr id="11" name="Gerade Verbindung mit Pfeil 10">
               <a:extLst>
                 <a:ext uri="{FF2B5EF4-FFF2-40B4-BE49-F238E27FC236}">
-                  <a16:creationId xmlns:a16="http://schemas.microsoft.com/office/drawing/2014/main" id="{10B60857-091B-A0B1-17EC-D5D54D855144}"/>
+                  <a16:creationId xmlns:a16="http://schemas.microsoft.com/office/drawing/2014/main" xmlns="" id="{10B60857-091B-A0B1-17EC-D5D54D855144}"/>
                 </a:ext>
               </a:extLst>
             </p:cNvPr>
@@ -3582,7 +3607,7 @@
             <p:cNvPr id="13" name="Gerader Verbinder 12">
               <a:extLst>
                 <a:ext uri="{FF2B5EF4-FFF2-40B4-BE49-F238E27FC236}">
-                  <a16:creationId xmlns:a16="http://schemas.microsoft.com/office/drawing/2014/main" id="{9A622C95-BC7D-F5A6-4447-26A0BBF3B566}"/>
+                  <a16:creationId xmlns:a16="http://schemas.microsoft.com/office/drawing/2014/main" xmlns="" id="{9A622C95-BC7D-F5A6-4447-26A0BBF3B566}"/>
                 </a:ext>
               </a:extLst>
             </p:cNvPr>
@@ -3625,7 +3650,7 @@
             <p:cNvPr id="15" name="Gerader Verbinder 14">
               <a:extLst>
                 <a:ext uri="{FF2B5EF4-FFF2-40B4-BE49-F238E27FC236}">
-                  <a16:creationId xmlns:a16="http://schemas.microsoft.com/office/drawing/2014/main" id="{A55C4976-88F4-50CC-1116-0D741AC7A06C}"/>
+                  <a16:creationId xmlns:a16="http://schemas.microsoft.com/office/drawing/2014/main" xmlns="" id="{A55C4976-88F4-50CC-1116-0D741AC7A06C}"/>
                 </a:ext>
               </a:extLst>
             </p:cNvPr>
@@ -3668,7 +3693,7 @@
             <p:cNvPr id="17" name="Textfeld 16">
               <a:extLst>
                 <a:ext uri="{FF2B5EF4-FFF2-40B4-BE49-F238E27FC236}">
-                  <a16:creationId xmlns:a16="http://schemas.microsoft.com/office/drawing/2014/main" id="{56639219-E83F-0F88-D69B-FD56B28E341D}"/>
+                  <a16:creationId xmlns:a16="http://schemas.microsoft.com/office/drawing/2014/main" xmlns="" id="{56639219-E83F-0F88-D69B-FD56B28E341D}"/>
                 </a:ext>
               </a:extLst>
             </p:cNvPr>
@@ -3707,7 +3732,7 @@
             <p:cNvPr id="18" name="Gerade Verbindung mit Pfeil 17">
               <a:extLst>
                 <a:ext uri="{FF2B5EF4-FFF2-40B4-BE49-F238E27FC236}">
-                  <a16:creationId xmlns:a16="http://schemas.microsoft.com/office/drawing/2014/main" id="{6F4A697A-81BA-D568-5EF7-F99DA654C0C6}"/>
+                  <a16:creationId xmlns:a16="http://schemas.microsoft.com/office/drawing/2014/main" xmlns="" id="{6F4A697A-81BA-D568-5EF7-F99DA654C0C6}"/>
                 </a:ext>
               </a:extLst>
             </p:cNvPr>
@@ -3748,7 +3773,7 @@
             <p:cNvPr id="20" name="Textfeld 19">
               <a:extLst>
                 <a:ext uri="{FF2B5EF4-FFF2-40B4-BE49-F238E27FC236}">
-                  <a16:creationId xmlns:a16="http://schemas.microsoft.com/office/drawing/2014/main" id="{C36D37EC-65A4-43BC-0C48-BC77B3B169BB}"/>
+                  <a16:creationId xmlns:a16="http://schemas.microsoft.com/office/drawing/2014/main" xmlns="" id="{C36D37EC-65A4-43BC-0C48-BC77B3B169BB}"/>
                 </a:ext>
               </a:extLst>
             </p:cNvPr>
@@ -3795,7 +3820,7 @@
             <p:cNvPr id="21" name="Textfeld 20">
               <a:extLst>
                 <a:ext uri="{FF2B5EF4-FFF2-40B4-BE49-F238E27FC236}">
-                  <a16:creationId xmlns:a16="http://schemas.microsoft.com/office/drawing/2014/main" id="{4AC19AD9-B951-2A79-02DD-68FA4F075FF6}"/>
+                  <a16:creationId xmlns:a16="http://schemas.microsoft.com/office/drawing/2014/main" xmlns="" id="{4AC19AD9-B951-2A79-02DD-68FA4F075FF6}"/>
                 </a:ext>
               </a:extLst>
             </p:cNvPr>
@@ -3841,9 +3866,1065 @@
     </p:spTree>
     <p:extLst>
       <p:ext uri="{BB962C8B-B14F-4D97-AF65-F5344CB8AC3E}">
-        <p14:creationId xmlns:p14="http://schemas.microsoft.com/office/powerpoint/2010/main" val="2520701446"/>
+        <p14:creationId xmlns:p14="http://schemas.microsoft.com/office/powerpoint/2010/main" xmlns="" val="2520701446"/>
       </p:ext>
     </p:extLst>
+  </p:cSld>
+  <p:clrMapOvr>
+    <a:masterClrMapping/>
+  </p:clrMapOvr>
+</p:sld>
+</file>
+
+<file path=ppt/slides/slide2.xml><?xml version="1.0" encoding="utf-8"?>
+<p:sld xmlns:a="http://schemas.openxmlformats.org/drawingml/2006/main" xmlns:r="http://schemas.openxmlformats.org/officeDocument/2006/relationships" xmlns:p="http://schemas.openxmlformats.org/presentationml/2006/main">
+  <p:cSld>
+    <p:spTree>
+      <p:nvGrpSpPr>
+        <p:cNvPr id="1" name=""/>
+        <p:cNvGrpSpPr/>
+        <p:nvPr/>
+      </p:nvGrpSpPr>
+      <p:grpSpPr>
+        <a:xfrm>
+          <a:off x="0" y="0"/>
+          <a:ext cx="0" cy="0"/>
+          <a:chOff x="0" y="0"/>
+          <a:chExt cx="0" cy="0"/>
+        </a:xfrm>
+      </p:grpSpPr>
+      <p:sp>
+        <p:nvSpPr>
+          <p:cNvPr id="4" name="Ellipse 3"/>
+          <p:cNvSpPr/>
+          <p:nvPr/>
+        </p:nvSpPr>
+        <p:spPr>
+          <a:xfrm>
+            <a:off x="5165331" y="1124958"/>
+            <a:ext cx="504056" cy="504056"/>
+          </a:xfrm>
+          <a:prstGeom prst="ellipse">
+            <a:avLst/>
+          </a:prstGeom>
+          <a:noFill/>
+          <a:ln w="12700">
+            <a:solidFill>
+              <a:schemeClr val="tx1"/>
+            </a:solidFill>
+          </a:ln>
+        </p:spPr>
+        <p:style>
+          <a:lnRef idx="2">
+            <a:schemeClr val="accent1">
+              <a:shade val="50000"/>
+            </a:schemeClr>
+          </a:lnRef>
+          <a:fillRef idx="1">
+            <a:schemeClr val="accent1"/>
+          </a:fillRef>
+          <a:effectRef idx="0">
+            <a:schemeClr val="accent1"/>
+          </a:effectRef>
+          <a:fontRef idx="minor">
+            <a:schemeClr val="lt1"/>
+          </a:fontRef>
+        </p:style>
+        <p:txBody>
+          <a:bodyPr rtlCol="0" anchor="ctr"/>
+          <a:lstStyle/>
+          <a:p>
+            <a:pPr algn="ctr"/>
+            <a:endParaRPr lang="de-DE"/>
+          </a:p>
+        </p:txBody>
+      </p:sp>
+      <p:cxnSp>
+        <p:nvCxnSpPr>
+          <p:cNvPr id="5" name="Gerade Verbindung 4"/>
+          <p:cNvCxnSpPr>
+            <a:stCxn id="4" idx="3"/>
+            <a:endCxn id="6" idx="7"/>
+          </p:cNvCxnSpPr>
+          <p:nvPr/>
+        </p:nvCxnSpPr>
+        <p:spPr>
+          <a:xfrm flipH="1">
+            <a:off x="3651354" y="1555197"/>
+            <a:ext cx="1587794" cy="579682"/>
+          </a:xfrm>
+          <a:prstGeom prst="line">
+            <a:avLst/>
+          </a:prstGeom>
+          <a:ln w="12700">
+            <a:solidFill>
+              <a:schemeClr val="tx1"/>
+            </a:solidFill>
+          </a:ln>
+        </p:spPr>
+        <p:style>
+          <a:lnRef idx="1">
+            <a:schemeClr val="accent1"/>
+          </a:lnRef>
+          <a:fillRef idx="0">
+            <a:schemeClr val="accent1"/>
+          </a:fillRef>
+          <a:effectRef idx="0">
+            <a:schemeClr val="accent1"/>
+          </a:effectRef>
+          <a:fontRef idx="minor">
+            <a:schemeClr val="tx1"/>
+          </a:fontRef>
+        </p:style>
+      </p:cxnSp>
+      <p:sp>
+        <p:nvSpPr>
+          <p:cNvPr id="6" name="Ellipse 5"/>
+          <p:cNvSpPr/>
+          <p:nvPr/>
+        </p:nvSpPr>
+        <p:spPr>
+          <a:xfrm>
+            <a:off x="3221115" y="2061062"/>
+            <a:ext cx="504056" cy="504056"/>
+          </a:xfrm>
+          <a:prstGeom prst="ellipse">
+            <a:avLst/>
+          </a:prstGeom>
+          <a:noFill/>
+          <a:ln w="12700">
+            <a:solidFill>
+              <a:schemeClr val="tx1"/>
+            </a:solidFill>
+          </a:ln>
+        </p:spPr>
+        <p:style>
+          <a:lnRef idx="2">
+            <a:schemeClr val="accent1">
+              <a:shade val="50000"/>
+            </a:schemeClr>
+          </a:lnRef>
+          <a:fillRef idx="1">
+            <a:schemeClr val="accent1"/>
+          </a:fillRef>
+          <a:effectRef idx="0">
+            <a:schemeClr val="accent1"/>
+          </a:effectRef>
+          <a:fontRef idx="minor">
+            <a:schemeClr val="lt1"/>
+          </a:fontRef>
+        </p:style>
+        <p:txBody>
+          <a:bodyPr rtlCol="0" anchor="ctr"/>
+          <a:lstStyle/>
+          <a:p>
+            <a:pPr algn="ctr"/>
+            <a:endParaRPr lang="de-DE"/>
+          </a:p>
+        </p:txBody>
+      </p:sp>
+      <p:sp>
+        <p:nvSpPr>
+          <p:cNvPr id="7" name="Ellipse 6"/>
+          <p:cNvSpPr/>
+          <p:nvPr/>
+        </p:nvSpPr>
+        <p:spPr>
+          <a:xfrm>
+            <a:off x="7181555" y="2133070"/>
+            <a:ext cx="504056" cy="504056"/>
+          </a:xfrm>
+          <a:prstGeom prst="ellipse">
+            <a:avLst/>
+          </a:prstGeom>
+          <a:noFill/>
+          <a:ln w="12700">
+            <a:solidFill>
+              <a:schemeClr val="tx1"/>
+            </a:solidFill>
+          </a:ln>
+        </p:spPr>
+        <p:style>
+          <a:lnRef idx="2">
+            <a:schemeClr val="accent1">
+              <a:shade val="50000"/>
+            </a:schemeClr>
+          </a:lnRef>
+          <a:fillRef idx="1">
+            <a:schemeClr val="accent1"/>
+          </a:fillRef>
+          <a:effectRef idx="0">
+            <a:schemeClr val="accent1"/>
+          </a:effectRef>
+          <a:fontRef idx="minor">
+            <a:schemeClr val="lt1"/>
+          </a:fontRef>
+        </p:style>
+        <p:txBody>
+          <a:bodyPr rtlCol="0" anchor="ctr"/>
+          <a:lstStyle/>
+          <a:p>
+            <a:pPr algn="ctr"/>
+            <a:endParaRPr lang="de-DE"/>
+          </a:p>
+        </p:txBody>
+      </p:sp>
+      <p:cxnSp>
+        <p:nvCxnSpPr>
+          <p:cNvPr id="8" name="Gerade Verbindung 7"/>
+          <p:cNvCxnSpPr>
+            <a:stCxn id="4" idx="5"/>
+            <a:endCxn id="7" idx="1"/>
+          </p:cNvCxnSpPr>
+          <p:nvPr/>
+        </p:nvCxnSpPr>
+        <p:spPr>
+          <a:xfrm>
+            <a:off x="5595570" y="1555197"/>
+            <a:ext cx="1659802" cy="651690"/>
+          </a:xfrm>
+          <a:prstGeom prst="line">
+            <a:avLst/>
+          </a:prstGeom>
+          <a:ln w="12700">
+            <a:solidFill>
+              <a:schemeClr val="tx1"/>
+            </a:solidFill>
+          </a:ln>
+        </p:spPr>
+        <p:style>
+          <a:lnRef idx="1">
+            <a:schemeClr val="accent1"/>
+          </a:lnRef>
+          <a:fillRef idx="0">
+            <a:schemeClr val="accent1"/>
+          </a:fillRef>
+          <a:effectRef idx="0">
+            <a:schemeClr val="accent1"/>
+          </a:effectRef>
+          <a:fontRef idx="minor">
+            <a:schemeClr val="tx1"/>
+          </a:fontRef>
+        </p:style>
+      </p:cxnSp>
+      <p:sp>
+        <p:nvSpPr>
+          <p:cNvPr id="9" name="Ellipse 8"/>
+          <p:cNvSpPr/>
+          <p:nvPr/>
+        </p:nvSpPr>
+        <p:spPr>
+          <a:xfrm>
+            <a:off x="8837739" y="3141182"/>
+            <a:ext cx="504056" cy="504056"/>
+          </a:xfrm>
+          <a:prstGeom prst="ellipse">
+            <a:avLst/>
+          </a:prstGeom>
+          <a:noFill/>
+          <a:ln w="12700">
+            <a:solidFill>
+              <a:schemeClr val="tx1"/>
+            </a:solidFill>
+          </a:ln>
+        </p:spPr>
+        <p:style>
+          <a:lnRef idx="2">
+            <a:schemeClr val="accent1">
+              <a:shade val="50000"/>
+            </a:schemeClr>
+          </a:lnRef>
+          <a:fillRef idx="1">
+            <a:schemeClr val="accent1"/>
+          </a:fillRef>
+          <a:effectRef idx="0">
+            <a:schemeClr val="accent1"/>
+          </a:effectRef>
+          <a:fontRef idx="minor">
+            <a:schemeClr val="lt1"/>
+          </a:fontRef>
+        </p:style>
+        <p:txBody>
+          <a:bodyPr rtlCol="0" anchor="ctr"/>
+          <a:lstStyle/>
+          <a:p>
+            <a:pPr algn="ctr"/>
+            <a:endParaRPr lang="de-DE"/>
+          </a:p>
+        </p:txBody>
+      </p:sp>
+      <p:sp>
+        <p:nvSpPr>
+          <p:cNvPr id="10" name="Ellipse 9"/>
+          <p:cNvSpPr/>
+          <p:nvPr/>
+        </p:nvSpPr>
+        <p:spPr>
+          <a:xfrm>
+            <a:off x="5525371" y="3141182"/>
+            <a:ext cx="504056" cy="504056"/>
+          </a:xfrm>
+          <a:prstGeom prst="ellipse">
+            <a:avLst/>
+          </a:prstGeom>
+          <a:noFill/>
+          <a:ln w="12700">
+            <a:solidFill>
+              <a:schemeClr val="tx1"/>
+            </a:solidFill>
+          </a:ln>
+        </p:spPr>
+        <p:style>
+          <a:lnRef idx="2">
+            <a:schemeClr val="accent1">
+              <a:shade val="50000"/>
+            </a:schemeClr>
+          </a:lnRef>
+          <a:fillRef idx="1">
+            <a:schemeClr val="accent1"/>
+          </a:fillRef>
+          <a:effectRef idx="0">
+            <a:schemeClr val="accent1"/>
+          </a:effectRef>
+          <a:fontRef idx="minor">
+            <a:schemeClr val="lt1"/>
+          </a:fontRef>
+        </p:style>
+        <p:txBody>
+          <a:bodyPr rtlCol="0" anchor="ctr"/>
+          <a:lstStyle/>
+          <a:p>
+            <a:pPr algn="ctr"/>
+            <a:endParaRPr lang="de-DE"/>
+          </a:p>
+        </p:txBody>
+      </p:sp>
+      <p:sp>
+        <p:nvSpPr>
+          <p:cNvPr id="11" name="Ellipse 10"/>
+          <p:cNvSpPr/>
+          <p:nvPr/>
+        </p:nvSpPr>
+        <p:spPr>
+          <a:xfrm>
+            <a:off x="3221115" y="3069174"/>
+            <a:ext cx="504056" cy="504056"/>
+          </a:xfrm>
+          <a:prstGeom prst="ellipse">
+            <a:avLst/>
+          </a:prstGeom>
+          <a:noFill/>
+          <a:ln w="12700">
+            <a:solidFill>
+              <a:schemeClr val="tx1"/>
+            </a:solidFill>
+          </a:ln>
+        </p:spPr>
+        <p:style>
+          <a:lnRef idx="2">
+            <a:schemeClr val="accent1">
+              <a:shade val="50000"/>
+            </a:schemeClr>
+          </a:lnRef>
+          <a:fillRef idx="1">
+            <a:schemeClr val="accent1"/>
+          </a:fillRef>
+          <a:effectRef idx="0">
+            <a:schemeClr val="accent1"/>
+          </a:effectRef>
+          <a:fontRef idx="minor">
+            <a:schemeClr val="lt1"/>
+          </a:fontRef>
+        </p:style>
+        <p:txBody>
+          <a:bodyPr rtlCol="0" anchor="ctr"/>
+          <a:lstStyle/>
+          <a:p>
+            <a:pPr algn="ctr"/>
+            <a:endParaRPr lang="de-DE"/>
+          </a:p>
+        </p:txBody>
+      </p:sp>
+      <p:cxnSp>
+        <p:nvCxnSpPr>
+          <p:cNvPr id="12" name="Gerade Verbindung 11"/>
+          <p:cNvCxnSpPr>
+            <a:stCxn id="7" idx="3"/>
+            <a:endCxn id="10" idx="7"/>
+          </p:cNvCxnSpPr>
+          <p:nvPr/>
+        </p:nvCxnSpPr>
+        <p:spPr>
+          <a:xfrm flipH="1">
+            <a:off x="5955610" y="2563309"/>
+            <a:ext cx="1299762" cy="651690"/>
+          </a:xfrm>
+          <a:prstGeom prst="line">
+            <a:avLst/>
+          </a:prstGeom>
+          <a:ln w="12700">
+            <a:solidFill>
+              <a:schemeClr val="tx1"/>
+            </a:solidFill>
+          </a:ln>
+        </p:spPr>
+        <p:style>
+          <a:lnRef idx="1">
+            <a:schemeClr val="accent1"/>
+          </a:lnRef>
+          <a:fillRef idx="0">
+            <a:schemeClr val="accent1"/>
+          </a:fillRef>
+          <a:effectRef idx="0">
+            <a:schemeClr val="accent1"/>
+          </a:effectRef>
+          <a:fontRef idx="minor">
+            <a:schemeClr val="tx1"/>
+          </a:fontRef>
+        </p:style>
+      </p:cxnSp>
+      <p:cxnSp>
+        <p:nvCxnSpPr>
+          <p:cNvPr id="13" name="Gerade Verbindung 12"/>
+          <p:cNvCxnSpPr>
+            <a:stCxn id="7" idx="5"/>
+            <a:endCxn id="9" idx="1"/>
+          </p:cNvCxnSpPr>
+          <p:nvPr/>
+        </p:nvCxnSpPr>
+        <p:spPr>
+          <a:xfrm>
+            <a:off x="7611794" y="2563309"/>
+            <a:ext cx="1299762" cy="651690"/>
+          </a:xfrm>
+          <a:prstGeom prst="line">
+            <a:avLst/>
+          </a:prstGeom>
+          <a:ln w="12700">
+            <a:solidFill>
+              <a:schemeClr val="tx1"/>
+            </a:solidFill>
+          </a:ln>
+        </p:spPr>
+        <p:style>
+          <a:lnRef idx="1">
+            <a:schemeClr val="accent1"/>
+          </a:lnRef>
+          <a:fillRef idx="0">
+            <a:schemeClr val="accent1"/>
+          </a:fillRef>
+          <a:effectRef idx="0">
+            <a:schemeClr val="accent1"/>
+          </a:effectRef>
+          <a:fontRef idx="minor">
+            <a:schemeClr val="tx1"/>
+          </a:fontRef>
+        </p:style>
+      </p:cxnSp>
+      <p:cxnSp>
+        <p:nvCxnSpPr>
+          <p:cNvPr id="14" name="Gerade Verbindung 13"/>
+          <p:cNvCxnSpPr>
+            <a:stCxn id="6" idx="4"/>
+            <a:endCxn id="11" idx="0"/>
+          </p:cNvCxnSpPr>
+          <p:nvPr/>
+        </p:nvCxnSpPr>
+        <p:spPr>
+          <a:xfrm>
+            <a:off x="3473143" y="2565118"/>
+            <a:ext cx="0" cy="504056"/>
+          </a:xfrm>
+          <a:prstGeom prst="line">
+            <a:avLst/>
+          </a:prstGeom>
+          <a:ln w="12700">
+            <a:solidFill>
+              <a:schemeClr val="tx1"/>
+            </a:solidFill>
+          </a:ln>
+        </p:spPr>
+        <p:style>
+          <a:lnRef idx="1">
+            <a:schemeClr val="accent1"/>
+          </a:lnRef>
+          <a:fillRef idx="0">
+            <a:schemeClr val="accent1"/>
+          </a:fillRef>
+          <a:effectRef idx="0">
+            <a:schemeClr val="accent1"/>
+          </a:effectRef>
+          <a:fontRef idx="minor">
+            <a:schemeClr val="tx1"/>
+          </a:fontRef>
+        </p:style>
+      </p:cxnSp>
+      <p:sp>
+        <p:nvSpPr>
+          <p:cNvPr id="15" name="Ellipse 14"/>
+          <p:cNvSpPr/>
+          <p:nvPr/>
+        </p:nvSpPr>
+        <p:spPr>
+          <a:xfrm>
+            <a:off x="5525371" y="4365318"/>
+            <a:ext cx="504056" cy="504056"/>
+          </a:xfrm>
+          <a:prstGeom prst="ellipse">
+            <a:avLst/>
+          </a:prstGeom>
+          <a:noFill/>
+          <a:ln w="12700">
+            <a:solidFill>
+              <a:schemeClr val="tx1"/>
+            </a:solidFill>
+          </a:ln>
+        </p:spPr>
+        <p:style>
+          <a:lnRef idx="2">
+            <a:schemeClr val="accent1">
+              <a:shade val="50000"/>
+            </a:schemeClr>
+          </a:lnRef>
+          <a:fillRef idx="1">
+            <a:schemeClr val="accent1"/>
+          </a:fillRef>
+          <a:effectRef idx="0">
+            <a:schemeClr val="accent1"/>
+          </a:effectRef>
+          <a:fontRef idx="minor">
+            <a:schemeClr val="lt1"/>
+          </a:fontRef>
+        </p:style>
+        <p:txBody>
+          <a:bodyPr rtlCol="0" anchor="ctr"/>
+          <a:lstStyle/>
+          <a:p>
+            <a:pPr algn="ctr"/>
+            <a:endParaRPr lang="de-DE"/>
+          </a:p>
+        </p:txBody>
+      </p:sp>
+      <p:sp>
+        <p:nvSpPr>
+          <p:cNvPr id="16" name="Ellipse 15"/>
+          <p:cNvSpPr/>
+          <p:nvPr/>
+        </p:nvSpPr>
+        <p:spPr>
+          <a:xfrm>
+            <a:off x="3221115" y="4149294"/>
+            <a:ext cx="504056" cy="504056"/>
+          </a:xfrm>
+          <a:prstGeom prst="ellipse">
+            <a:avLst/>
+          </a:prstGeom>
+          <a:noFill/>
+          <a:ln w="12700">
+            <a:solidFill>
+              <a:schemeClr val="tx1"/>
+            </a:solidFill>
+          </a:ln>
+        </p:spPr>
+        <p:style>
+          <a:lnRef idx="2">
+            <a:schemeClr val="accent1">
+              <a:shade val="50000"/>
+            </a:schemeClr>
+          </a:lnRef>
+          <a:fillRef idx="1">
+            <a:schemeClr val="accent1"/>
+          </a:fillRef>
+          <a:effectRef idx="0">
+            <a:schemeClr val="accent1"/>
+          </a:effectRef>
+          <a:fontRef idx="minor">
+            <a:schemeClr val="lt1"/>
+          </a:fontRef>
+        </p:style>
+        <p:txBody>
+          <a:bodyPr rtlCol="0" anchor="ctr"/>
+          <a:lstStyle/>
+          <a:p>
+            <a:pPr algn="ctr"/>
+            <a:endParaRPr lang="de-DE"/>
+          </a:p>
+        </p:txBody>
+      </p:sp>
+      <p:sp>
+        <p:nvSpPr>
+          <p:cNvPr id="17" name="Ellipse 16"/>
+          <p:cNvSpPr/>
+          <p:nvPr/>
+        </p:nvSpPr>
+        <p:spPr>
+          <a:xfrm>
+            <a:off x="8837739" y="4365318"/>
+            <a:ext cx="504056" cy="504056"/>
+          </a:xfrm>
+          <a:prstGeom prst="ellipse">
+            <a:avLst/>
+          </a:prstGeom>
+          <a:noFill/>
+          <a:ln w="12700">
+            <a:solidFill>
+              <a:schemeClr val="tx1"/>
+            </a:solidFill>
+          </a:ln>
+        </p:spPr>
+        <p:style>
+          <a:lnRef idx="2">
+            <a:schemeClr val="accent1">
+              <a:shade val="50000"/>
+            </a:schemeClr>
+          </a:lnRef>
+          <a:fillRef idx="1">
+            <a:schemeClr val="accent1"/>
+          </a:fillRef>
+          <a:effectRef idx="0">
+            <a:schemeClr val="accent1"/>
+          </a:effectRef>
+          <a:fontRef idx="minor">
+            <a:schemeClr val="lt1"/>
+          </a:fontRef>
+        </p:style>
+        <p:txBody>
+          <a:bodyPr rtlCol="0" anchor="ctr"/>
+          <a:lstStyle/>
+          <a:p>
+            <a:pPr algn="ctr"/>
+            <a:endParaRPr lang="de-DE"/>
+          </a:p>
+        </p:txBody>
+      </p:sp>
+      <p:cxnSp>
+        <p:nvCxnSpPr>
+          <p:cNvPr id="18" name="Gerade Verbindung 17"/>
+          <p:cNvCxnSpPr>
+            <a:stCxn id="11" idx="4"/>
+            <a:endCxn id="16" idx="0"/>
+          </p:cNvCxnSpPr>
+          <p:nvPr/>
+        </p:nvCxnSpPr>
+        <p:spPr>
+          <a:xfrm>
+            <a:off x="3473143" y="3573230"/>
+            <a:ext cx="0" cy="576064"/>
+          </a:xfrm>
+          <a:prstGeom prst="line">
+            <a:avLst/>
+          </a:prstGeom>
+          <a:ln w="12700">
+            <a:solidFill>
+              <a:schemeClr val="tx1"/>
+            </a:solidFill>
+          </a:ln>
+        </p:spPr>
+        <p:style>
+          <a:lnRef idx="1">
+            <a:schemeClr val="accent1"/>
+          </a:lnRef>
+          <a:fillRef idx="0">
+            <a:schemeClr val="accent1"/>
+          </a:fillRef>
+          <a:effectRef idx="0">
+            <a:schemeClr val="accent1"/>
+          </a:effectRef>
+          <a:fontRef idx="minor">
+            <a:schemeClr val="tx1"/>
+          </a:fontRef>
+        </p:style>
+      </p:cxnSp>
+      <p:cxnSp>
+        <p:nvCxnSpPr>
+          <p:cNvPr id="19" name="Gerade Verbindung 18"/>
+          <p:cNvCxnSpPr>
+            <a:stCxn id="10" idx="4"/>
+            <a:endCxn id="15" idx="0"/>
+          </p:cNvCxnSpPr>
+          <p:nvPr/>
+        </p:nvCxnSpPr>
+        <p:spPr>
+          <a:xfrm>
+            <a:off x="5777399" y="3645238"/>
+            <a:ext cx="0" cy="720080"/>
+          </a:xfrm>
+          <a:prstGeom prst="line">
+            <a:avLst/>
+          </a:prstGeom>
+          <a:ln w="12700">
+            <a:solidFill>
+              <a:schemeClr val="tx1"/>
+            </a:solidFill>
+          </a:ln>
+        </p:spPr>
+        <p:style>
+          <a:lnRef idx="1">
+            <a:schemeClr val="accent1"/>
+          </a:lnRef>
+          <a:fillRef idx="0">
+            <a:schemeClr val="accent1"/>
+          </a:fillRef>
+          <a:effectRef idx="0">
+            <a:schemeClr val="accent1"/>
+          </a:effectRef>
+          <a:fontRef idx="minor">
+            <a:schemeClr val="tx1"/>
+          </a:fontRef>
+        </p:style>
+      </p:cxnSp>
+      <p:cxnSp>
+        <p:nvCxnSpPr>
+          <p:cNvPr id="20" name="Gerade Verbindung 19"/>
+          <p:cNvCxnSpPr>
+            <a:stCxn id="9" idx="4"/>
+            <a:endCxn id="17" idx="0"/>
+          </p:cNvCxnSpPr>
+          <p:nvPr/>
+        </p:nvCxnSpPr>
+        <p:spPr>
+          <a:xfrm>
+            <a:off x="9089767" y="3645238"/>
+            <a:ext cx="0" cy="720080"/>
+          </a:xfrm>
+          <a:prstGeom prst="line">
+            <a:avLst/>
+          </a:prstGeom>
+          <a:ln w="12700">
+            <a:solidFill>
+              <a:schemeClr val="tx1"/>
+            </a:solidFill>
+          </a:ln>
+        </p:spPr>
+        <p:style>
+          <a:lnRef idx="1">
+            <a:schemeClr val="accent1"/>
+          </a:lnRef>
+          <a:fillRef idx="0">
+            <a:schemeClr val="accent1"/>
+          </a:fillRef>
+          <a:effectRef idx="0">
+            <a:schemeClr val="accent1"/>
+          </a:effectRef>
+          <a:fontRef idx="minor">
+            <a:schemeClr val="tx1"/>
+          </a:fontRef>
+        </p:style>
+      </p:cxnSp>
+      <p:sp>
+        <p:nvSpPr>
+          <p:cNvPr id="21" name="Textfeld 20"/>
+          <p:cNvSpPr txBox="1"/>
+          <p:nvPr/>
+        </p:nvSpPr>
+        <p:spPr>
+          <a:xfrm>
+            <a:off x="4877299" y="980942"/>
+            <a:ext cx="274434" cy="369332"/>
+          </a:xfrm>
+          <a:prstGeom prst="rect">
+            <a:avLst/>
+          </a:prstGeom>
+          <a:noFill/>
+        </p:spPr>
+        <p:txBody>
+          <a:bodyPr wrap="none" rtlCol="0">
+            <a:spAutoFit/>
+          </a:bodyPr>
+          <a:lstStyle/>
+          <a:p>
+            <a:r>
+              <a:rPr lang="de-DE" dirty="0" smtClean="0"/>
+              <a:t>s</a:t>
+            </a:r>
+            <a:endParaRPr lang="de-DE" dirty="0"/>
+          </a:p>
+        </p:txBody>
+      </p:sp>
+      <p:sp>
+        <p:nvSpPr>
+          <p:cNvPr id="22" name="Textfeld 21"/>
+          <p:cNvSpPr txBox="1"/>
+          <p:nvPr/>
+        </p:nvSpPr>
+        <p:spPr>
+          <a:xfrm>
+            <a:off x="2789067" y="1773030"/>
+            <a:ext cx="502061" cy="369332"/>
+          </a:xfrm>
+          <a:prstGeom prst="rect">
+            <a:avLst/>
+          </a:prstGeom>
+          <a:noFill/>
+        </p:spPr>
+        <p:txBody>
+          <a:bodyPr wrap="none" rtlCol="0">
+            <a:spAutoFit/>
+          </a:bodyPr>
+          <a:lstStyle/>
+          <a:p>
+            <a:r>
+              <a:rPr lang="de-DE" dirty="0"/>
+              <a:t>p</a:t>
+            </a:r>
+            <a:r>
+              <a:rPr lang="de-DE" baseline="-25000" dirty="0" smtClean="0"/>
+              <a:t>2,1</a:t>
+            </a:r>
+            <a:endParaRPr lang="de-DE" baseline="-25000" dirty="0"/>
+          </a:p>
+        </p:txBody>
+      </p:sp>
+      <p:sp>
+        <p:nvSpPr>
+          <p:cNvPr id="23" name="Textfeld 22"/>
+          <p:cNvSpPr txBox="1"/>
+          <p:nvPr/>
+        </p:nvSpPr>
+        <p:spPr>
+          <a:xfrm>
+            <a:off x="7685611" y="1917046"/>
+            <a:ext cx="502061" cy="369332"/>
+          </a:xfrm>
+          <a:prstGeom prst="rect">
+            <a:avLst/>
+          </a:prstGeom>
+          <a:noFill/>
+        </p:spPr>
+        <p:txBody>
+          <a:bodyPr wrap="none" rtlCol="0">
+            <a:spAutoFit/>
+          </a:bodyPr>
+          <a:lstStyle/>
+          <a:p>
+            <a:r>
+              <a:rPr lang="de-DE" dirty="0" smtClean="0"/>
+              <a:t>p</a:t>
+            </a:r>
+            <a:r>
+              <a:rPr lang="de-DE" baseline="-25000" dirty="0"/>
+              <a:t>1</a:t>
+            </a:r>
+            <a:r>
+              <a:rPr lang="de-DE" baseline="-25000" dirty="0" smtClean="0"/>
+              <a:t>,1</a:t>
+            </a:r>
+            <a:endParaRPr lang="de-DE" baseline="-25000" dirty="0"/>
+          </a:p>
+        </p:txBody>
+      </p:sp>
+      <p:sp>
+        <p:nvSpPr>
+          <p:cNvPr id="24" name="Textfeld 23"/>
+          <p:cNvSpPr txBox="1"/>
+          <p:nvPr/>
+        </p:nvSpPr>
+        <p:spPr>
+          <a:xfrm>
+            <a:off x="3328143" y="4910721"/>
+            <a:ext cx="300082" cy="369332"/>
+          </a:xfrm>
+          <a:prstGeom prst="rect">
+            <a:avLst/>
+          </a:prstGeom>
+          <a:noFill/>
+        </p:spPr>
+        <p:txBody>
+          <a:bodyPr wrap="square" rtlCol="0">
+            <a:spAutoFit/>
+          </a:bodyPr>
+          <a:lstStyle/>
+          <a:p>
+            <a:r>
+              <a:rPr lang="de-DE" dirty="0" smtClean="0"/>
+              <a:t>≈</a:t>
+            </a:r>
+            <a:endParaRPr lang="de-DE" dirty="0"/>
+          </a:p>
+        </p:txBody>
+      </p:sp>
+      <p:cxnSp>
+        <p:nvCxnSpPr>
+          <p:cNvPr id="28" name="Gerade Verbindung 27"/>
+          <p:cNvCxnSpPr>
+            <a:stCxn id="16" idx="4"/>
+          </p:cNvCxnSpPr>
+          <p:nvPr/>
+        </p:nvCxnSpPr>
+        <p:spPr>
+          <a:xfrm>
+            <a:off x="3473143" y="4653350"/>
+            <a:ext cx="1577" cy="425726"/>
+          </a:xfrm>
+          <a:prstGeom prst="line">
+            <a:avLst/>
+          </a:prstGeom>
+          <a:ln w="12700">
+            <a:solidFill>
+              <a:schemeClr val="tx1"/>
+            </a:solidFill>
+          </a:ln>
+        </p:spPr>
+        <p:style>
+          <a:lnRef idx="1">
+            <a:schemeClr val="accent1"/>
+          </a:lnRef>
+          <a:fillRef idx="0">
+            <a:schemeClr val="accent1"/>
+          </a:fillRef>
+          <a:effectRef idx="0">
+            <a:schemeClr val="accent1"/>
+          </a:effectRef>
+          <a:fontRef idx="minor">
+            <a:schemeClr val="tx1"/>
+          </a:fontRef>
+        </p:style>
+      </p:cxnSp>
+      <p:sp>
+        <p:nvSpPr>
+          <p:cNvPr id="31" name="Textfeld 30"/>
+          <p:cNvSpPr txBox="1"/>
+          <p:nvPr/>
+        </p:nvSpPr>
+        <p:spPr>
+          <a:xfrm>
+            <a:off x="5027961" y="2872546"/>
+            <a:ext cx="502061" cy="369332"/>
+          </a:xfrm>
+          <a:prstGeom prst="rect">
+            <a:avLst/>
+          </a:prstGeom>
+          <a:noFill/>
+        </p:spPr>
+        <p:txBody>
+          <a:bodyPr wrap="none" rtlCol="0">
+            <a:spAutoFit/>
+          </a:bodyPr>
+          <a:lstStyle/>
+          <a:p>
+            <a:r>
+              <a:rPr lang="de-DE" dirty="0"/>
+              <a:t>p</a:t>
+            </a:r>
+            <a:r>
+              <a:rPr lang="de-DE" baseline="-25000" dirty="0" smtClean="0"/>
+              <a:t>1,2</a:t>
+            </a:r>
+            <a:endParaRPr lang="de-DE" baseline="-25000" dirty="0"/>
+          </a:p>
+        </p:txBody>
+      </p:sp>
+      <p:sp>
+        <p:nvSpPr>
+          <p:cNvPr id="32" name="Textfeld 31"/>
+          <p:cNvSpPr txBox="1"/>
+          <p:nvPr/>
+        </p:nvSpPr>
+        <p:spPr>
+          <a:xfrm>
+            <a:off x="9367205" y="2963986"/>
+            <a:ext cx="502061" cy="369332"/>
+          </a:xfrm>
+          <a:prstGeom prst="rect">
+            <a:avLst/>
+          </a:prstGeom>
+          <a:noFill/>
+        </p:spPr>
+        <p:txBody>
+          <a:bodyPr wrap="none" rtlCol="0">
+            <a:spAutoFit/>
+          </a:bodyPr>
+          <a:lstStyle/>
+          <a:p>
+            <a:r>
+              <a:rPr lang="de-DE" dirty="0" smtClean="0"/>
+              <a:t>p</a:t>
+            </a:r>
+            <a:r>
+              <a:rPr lang="de-DE" baseline="-25000" dirty="0" smtClean="0"/>
+              <a:t>2</a:t>
+            </a:r>
+            <a:r>
+              <a:rPr lang="de-DE" baseline="-25000" dirty="0" smtClean="0"/>
+              <a:t>,2</a:t>
+            </a:r>
+            <a:endParaRPr lang="de-DE" baseline="-25000" dirty="0"/>
+          </a:p>
+        </p:txBody>
+      </p:sp>
+      <p:sp>
+        <p:nvSpPr>
+          <p:cNvPr id="33" name="Textfeld 32"/>
+          <p:cNvSpPr txBox="1"/>
+          <p:nvPr/>
+        </p:nvSpPr>
+        <p:spPr>
+          <a:xfrm>
+            <a:off x="4080311" y="1443293"/>
+            <a:ext cx="502061" cy="369332"/>
+          </a:xfrm>
+          <a:prstGeom prst="rect">
+            <a:avLst/>
+          </a:prstGeom>
+          <a:noFill/>
+        </p:spPr>
+        <p:txBody>
+          <a:bodyPr wrap="none" rtlCol="0">
+            <a:spAutoFit/>
+          </a:bodyPr>
+          <a:lstStyle/>
+          <a:p>
+            <a:r>
+              <a:rPr lang="de-DE" dirty="0" smtClean="0"/>
+              <a:t>h</a:t>
+            </a:r>
+            <a:r>
+              <a:rPr lang="de-DE" baseline="-25000" dirty="0" smtClean="0"/>
+              <a:t>2,1</a:t>
+            </a:r>
+            <a:endParaRPr lang="de-DE" baseline="-25000" dirty="0"/>
+          </a:p>
+        </p:txBody>
+      </p:sp>
+      <p:sp>
+        <p:nvSpPr>
+          <p:cNvPr id="34" name="Textfeld 33"/>
+          <p:cNvSpPr txBox="1"/>
+          <p:nvPr/>
+        </p:nvSpPr>
+        <p:spPr>
+          <a:xfrm>
+            <a:off x="6377394" y="1495939"/>
+            <a:ext cx="502061" cy="369332"/>
+          </a:xfrm>
+          <a:prstGeom prst="rect">
+            <a:avLst/>
+          </a:prstGeom>
+          <a:noFill/>
+        </p:spPr>
+        <p:txBody>
+          <a:bodyPr wrap="none" rtlCol="0">
+            <a:spAutoFit/>
+          </a:bodyPr>
+          <a:lstStyle/>
+          <a:p>
+            <a:r>
+              <a:rPr lang="de-DE" dirty="0" smtClean="0"/>
+              <a:t>h</a:t>
+            </a:r>
+            <a:r>
+              <a:rPr lang="de-DE" baseline="-25000" dirty="0" smtClean="0"/>
+              <a:t>1</a:t>
+            </a:r>
+            <a:r>
+              <a:rPr lang="de-DE" baseline="-25000" dirty="0" smtClean="0"/>
+              <a:t>,1</a:t>
+            </a:r>
+            <a:endParaRPr lang="de-DE" baseline="-25000" dirty="0"/>
+          </a:p>
+        </p:txBody>
+      </p:sp>
+    </p:spTree>
   </p:cSld>
   <p:clrMapOvr>
     <a:masterClrMapping/>
@@ -3894,7 +4975,7 @@
     </a:clrScheme>
     <a:fontScheme name="Office">
       <a:majorFont>
-        <a:latin typeface="Calibri Light" panose="020F0302020204030204"/>
+        <a:latin typeface="Calibri Light"/>
         <a:ea typeface=""/>
         <a:cs typeface=""/>
         <a:font script="Jpan" typeface="游ゴシック Light"/>
@@ -3946,7 +5027,7 @@
         <a:font script="Tfng" typeface="Ebrima"/>
       </a:majorFont>
       <a:minorFont>
-        <a:latin typeface="Calibri" panose="020F0502020204030204"/>
+        <a:latin typeface="Calibri"/>
         <a:ea typeface=""/>
         <a:cs typeface=""/>
         <a:font script="Jpan" typeface="游ゴシック"/>
@@ -4140,7 +5221,7 @@
   <a:extraClrSchemeLst/>
   <a:extLst>
     <a:ext uri="{05A4C25C-085E-4340-85A3-A5531E510DB2}">
-      <thm15:themeFamily xmlns:thm15="http://schemas.microsoft.com/office/thememl/2012/main" name="Office Theme" id="{62F939B6-93AF-4DB8-9C6B-D6C7DFDC589F}" vid="{4A3C46E8-61CC-4603-A589-7422A47A8E4A}"/>
+      <thm15:themeFamily xmlns:thm15="http://schemas.microsoft.com/office/thememl/2012/main" xmlns="" name="Office Theme" id="{62F939B6-93AF-4DB8-9C6B-D6C7DFDC589F}" vid="{4A3C46E8-61CC-4603-A589-7422A47A8E4A}"/>
     </a:ext>
   </a:extLst>
 </a:theme>
